--- a/slides/2_PythonBasic.pptx
+++ b/slides/2_PythonBasic.pptx
@@ -256,7 +256,7 @@
           <a:p>
             <a:fld id="{A88041C2-66FF-41C4-85D2-86F3F8AD720F}" type="datetimeFigureOut">
               <a:rPr lang="zh-CN" altLang="en-US" smtClean="0"/>
-              <a:t>2020-9-23</a:t>
+              <a:t>2020-10-9</a:t>
             </a:fld>
             <a:endParaRPr lang="zh-CN" altLang="en-US"/>
           </a:p>
@@ -421,7 +421,7 @@
           <a:p>
             <a:fld id="{D8668C14-09F9-4DC1-91DB-F9303502AD59}" type="datetimeFigureOut">
               <a:rPr lang="zh-CN" altLang="en-US" smtClean="0"/>
-              <a:t>2020-9-23</a:t>
+              <a:t>2020-10-9</a:t>
             </a:fld>
             <a:endParaRPr lang="zh-CN" altLang="en-US"/>
           </a:p>
@@ -1644,7 +1644,7 @@
                   <a:srgbClr val="000000"/>
                 </a:solidFill>
               </a:rPr>
-              <a:t>2020-9-23</a:t>
+              <a:t>2020-10-9</a:t>
             </a:fld>
             <a:endParaRPr lang="en-US" altLang="zh-CN" dirty="0">
               <a:solidFill>
@@ -1906,7 +1906,7 @@
                   <a:srgbClr val="000000"/>
                 </a:solidFill>
               </a:rPr>
-              <a:t>2020-9-23</a:t>
+              <a:t>2020-10-9</a:t>
             </a:fld>
             <a:endParaRPr lang="en-US" altLang="zh-CN" dirty="0">
               <a:solidFill>
@@ -2225,7 +2225,7 @@
                   <a:srgbClr val="000000"/>
                 </a:solidFill>
               </a:rPr>
-              <a:t>2020-9-23</a:t>
+              <a:t>2020-10-9</a:t>
             </a:fld>
             <a:endParaRPr lang="en-US" altLang="zh-CN" dirty="0">
               <a:solidFill>
@@ -2903,7 +2903,7 @@
             </a:pPr>
             <a:fld id="{1152697E-1B43-415E-9287-C81E231CFF6B}" type="datetime1">
               <a:rPr lang="zh-CN" altLang="en-US" smtClean="0"/>
-              <a:t>2020-9-23</a:t>
+              <a:t>2020-10-9</a:t>
             </a:fld>
             <a:endParaRPr lang="da-DK"/>
           </a:p>
@@ -3251,7 +3251,7 @@
                   <a:srgbClr val="000000"/>
                 </a:solidFill>
               </a:rPr>
-              <a:t>2020-9-23</a:t>
+              <a:t>2020-10-9</a:t>
             </a:fld>
             <a:endParaRPr lang="en-US" altLang="zh-CN" dirty="0">
               <a:solidFill>
@@ -3525,7 +3525,7 @@
                   <a:srgbClr val="000000"/>
                 </a:solidFill>
               </a:rPr>
-              <a:t>2020-9-23</a:t>
+              <a:t>2020-10-9</a:t>
             </a:fld>
             <a:endParaRPr lang="en-US" altLang="zh-CN" dirty="0">
               <a:solidFill>
@@ -3895,7 +3895,7 @@
                   <a:srgbClr val="000000"/>
                 </a:solidFill>
               </a:rPr>
-              <a:t>2020-9-23</a:t>
+              <a:t>2020-10-9</a:t>
             </a:fld>
             <a:endParaRPr lang="en-US" altLang="zh-CN" dirty="0">
               <a:solidFill>
@@ -4404,7 +4404,7 @@
                   <a:srgbClr val="000000"/>
                 </a:solidFill>
               </a:rPr>
-              <a:t>2020-9-23</a:t>
+              <a:t>2020-10-9</a:t>
             </a:fld>
             <a:endParaRPr lang="en-US" altLang="zh-CN" dirty="0">
               <a:solidFill>
@@ -4604,7 +4604,7 @@
                   <a:srgbClr val="000000"/>
                 </a:solidFill>
               </a:rPr>
-              <a:t>2020-9-23</a:t>
+              <a:t>2020-10-9</a:t>
             </a:fld>
             <a:endParaRPr lang="en-US" altLang="zh-CN" dirty="0">
               <a:solidFill>
@@ -4781,7 +4781,7 @@
                   <a:srgbClr val="000000"/>
                 </a:solidFill>
               </a:rPr>
-              <a:t>2020-9-23</a:t>
+              <a:t>2020-10-9</a:t>
             </a:fld>
             <a:endParaRPr lang="en-US" altLang="zh-CN" dirty="0">
               <a:solidFill>
@@ -5140,7 +5140,7 @@
                   <a:srgbClr val="000000"/>
                 </a:solidFill>
               </a:rPr>
-              <a:t>2020-9-23</a:t>
+              <a:t>2020-10-9</a:t>
             </a:fld>
             <a:endParaRPr lang="en-US" altLang="zh-CN" dirty="0">
               <a:solidFill>
@@ -5479,7 +5479,7 @@
                   <a:srgbClr val="000000"/>
                 </a:solidFill>
               </a:rPr>
-              <a:t>2020-9-23</a:t>
+              <a:t>2020-10-9</a:t>
             </a:fld>
             <a:endParaRPr lang="en-US" altLang="zh-CN" dirty="0">
               <a:solidFill>
@@ -5878,7 +5878,7 @@
                   <a:srgbClr val="000000"/>
                 </a:solidFill>
               </a:rPr>
-              <a:t>2020-9-23</a:t>
+              <a:t>2020-10-9</a:t>
             </a:fld>
             <a:endParaRPr lang="en-US" altLang="zh-CN" dirty="0">
               <a:solidFill>
@@ -6625,7 +6625,7 @@
                   <a:srgbClr val="000000"/>
                 </a:solidFill>
               </a:rPr>
-              <a:t>2020-9-23</a:t>
+              <a:t>2020-10-9</a:t>
             </a:fld>
             <a:endParaRPr lang="en-US" altLang="zh-CN" dirty="0">
               <a:solidFill>
@@ -6964,19 +6964,7 @@
                           <a:ea typeface="宋体" panose="02010600030101010101" pitchFamily="2" charset="-122"/>
                           <a:cs typeface="+mn-cs"/>
                         </a:rPr>
-                        <a:t>变量名前</a:t>
-                      </a:r>
-                      <a:r>
-                        <a:rPr lang="zh-CN" altLang="en-US" sz="1800" b="0" i="0" u="none" strike="noStrike" kern="1200" dirty="0" smtClean="0">
-                          <a:solidFill>
-                            <a:srgbClr val="000000"/>
-                          </a:solidFill>
-                          <a:effectLst/>
-                          <a:latin typeface="+mn-lt"/>
-                          <a:ea typeface="宋体" panose="02010600030101010101" pitchFamily="2" charset="-122"/>
-                          <a:cs typeface="+mn-cs"/>
-                        </a:rPr>
-                        <a:t>加两个下划线</a:t>
+                        <a:t>变量名前加两个下划线</a:t>
                       </a:r>
                       <a:r>
                         <a:rPr lang="en-US" altLang="zh-CN" sz="1800" b="0" i="0" u="none" strike="noStrike" kern="1200" dirty="0" smtClean="0">
@@ -7401,11 +7389,7 @@
             <a:pPr lvl="2"/>
             <a:r>
               <a:rPr lang="zh-CN" altLang="en-US" dirty="0" smtClean="0"/>
-              <a:t>单继承</a:t>
-            </a:r>
-            <a:r>
-              <a:rPr lang="zh-CN" altLang="en-US" dirty="0" smtClean="0"/>
-              <a:t>（</a:t>
+              <a:t>单继承（</a:t>
             </a:r>
             <a:r>
               <a:rPr lang="zh-CN" altLang="en-US" dirty="0"/>
@@ -7421,15 +7405,7 @@
             </a:r>
             <a:r>
               <a:rPr lang="zh-CN" altLang="en-US" dirty="0" smtClean="0"/>
-              <a:t>类）和</a:t>
-            </a:r>
-            <a:r>
-              <a:rPr lang="zh-CN" altLang="en-US" dirty="0" smtClean="0"/>
-              <a:t>多继承</a:t>
-            </a:r>
-            <a:r>
-              <a:rPr lang="zh-CN" altLang="en-US" dirty="0" smtClean="0"/>
-              <a:t>（</a:t>
+              <a:t>类）和多继承（</a:t>
             </a:r>
             <a:r>
               <a:rPr lang="zh-CN" altLang="en-US" dirty="0"/>
@@ -7445,11 +7421,7 @@
             </a:r>
             <a:r>
               <a:rPr lang="zh-CN" altLang="en-US" dirty="0" smtClean="0"/>
-              <a:t>类</a:t>
-            </a:r>
-            <a:r>
-              <a:rPr lang="zh-CN" altLang="en-US" dirty="0" smtClean="0"/>
-              <a:t>）</a:t>
+              <a:t>类）</a:t>
             </a:r>
             <a:endParaRPr lang="en-US" altLang="zh-CN" dirty="0" smtClean="0"/>
           </a:p>
@@ -7611,7 +7583,7 @@
                   <a:srgbClr val="000000"/>
                 </a:solidFill>
               </a:rPr>
-              <a:t>2020-9-23</a:t>
+              <a:t>2020-10-9</a:t>
             </a:fld>
             <a:endParaRPr lang="en-US" altLang="zh-CN" dirty="0">
               <a:solidFill>
@@ -7844,7 +7816,7 @@
                   <a:srgbClr val="000000"/>
                 </a:solidFill>
               </a:rPr>
-              <a:t>2020-9-23</a:t>
+              <a:t>2020-10-9</a:t>
             </a:fld>
             <a:endParaRPr lang="en-US" altLang="zh-CN" dirty="0">
               <a:solidFill>
@@ -8029,7 +8001,7 @@
                   <a:srgbClr val="000000"/>
                 </a:solidFill>
               </a:rPr>
-              <a:t>2020-9-23</a:t>
+              <a:t>2020-10-9</a:t>
             </a:fld>
             <a:endParaRPr lang="en-US" altLang="zh-CN" dirty="0">
               <a:solidFill>
@@ -8624,7 +8596,7 @@
                   <a:srgbClr val="000000"/>
                 </a:solidFill>
               </a:rPr>
-              <a:t>2020-9-23</a:t>
+              <a:t>2020-10-9</a:t>
             </a:fld>
             <a:endParaRPr lang="en-US" altLang="zh-CN" dirty="0">
               <a:solidFill>
@@ -9050,7 +9022,7 @@
                   <a:srgbClr val="000000"/>
                 </a:solidFill>
               </a:rPr>
-              <a:t>2020-9-23</a:t>
+              <a:t>2020-10-9</a:t>
             </a:fld>
             <a:endParaRPr lang="en-US" altLang="zh-CN" dirty="0">
               <a:solidFill>
@@ -9921,7 +9893,7 @@
                   <a:srgbClr val="000000"/>
                 </a:solidFill>
               </a:rPr>
-              <a:t>2020-9-23</a:t>
+              <a:t>2020-10-9</a:t>
             </a:fld>
             <a:endParaRPr lang="en-US" altLang="zh-CN" dirty="0">
               <a:solidFill>
@@ -10949,13 +10921,17 @@
             </a:r>
             <a:r>
               <a:rPr lang="zh-CN" altLang="en-US" dirty="0"/>
-              <a:t>、字符串</a:t>
+              <a:t>、</a:t>
+            </a:r>
+            <a:r>
+              <a:rPr lang="zh-CN" altLang="en-US" dirty="0" smtClean="0"/>
+              <a:t>字符串</a:t>
             </a:r>
             <a:endParaRPr lang="en-US" altLang="zh-CN" dirty="0" smtClean="0"/>
           </a:p>
           <a:p>
             <a:r>
-              <a:rPr lang="zh-CN" altLang="en-US" dirty="0"/>
+              <a:rPr lang="zh-CN" altLang="en-US" dirty="0" smtClean="0"/>
               <a:t>数值</a:t>
             </a:r>
             <a:endParaRPr lang="en-US" altLang="zh-CN" dirty="0"/>
@@ -11171,13 +11147,60 @@
                   <a:srgbClr val="000000"/>
                 </a:solidFill>
               </a:rPr>
-              <a:t>2020-9-23</a:t>
+              <a:t>2020-10-9</a:t>
             </a:fld>
             <a:endParaRPr lang="en-US" altLang="zh-CN" dirty="0">
               <a:solidFill>
                 <a:srgbClr val="000000"/>
               </a:solidFill>
             </a:endParaRPr>
+          </a:p>
+        </p:txBody>
+      </p:sp>
+      <p:sp>
+        <p:nvSpPr>
+          <p:cNvPr id="7" name="文本框 6"/>
+          <p:cNvSpPr txBox="1"/>
+          <p:nvPr/>
+        </p:nvSpPr>
+        <p:spPr>
+          <a:xfrm>
+            <a:off x="8045451" y="3076260"/>
+            <a:ext cx="2673014" cy="923330"/>
+          </a:xfrm>
+          <a:prstGeom prst="rect">
+            <a:avLst/>
+          </a:prstGeom>
+          <a:noFill/>
+        </p:spPr>
+        <p:txBody>
+          <a:bodyPr wrap="square" rtlCol="0">
+            <a:spAutoFit/>
+          </a:bodyPr>
+          <a:lstStyle/>
+          <a:p>
+            <a:pPr marL="0" lvl="1"/>
+            <a:r>
+              <a:rPr lang="zh-CN" altLang="en-US" b="1" dirty="0" smtClean="0"/>
+              <a:t>注意：</a:t>
+            </a:r>
+            <a:endParaRPr lang="en-US" altLang="zh-CN" b="1" dirty="0" smtClean="0"/>
+          </a:p>
+          <a:p>
+            <a:pPr marL="0" lvl="1"/>
+            <a:r>
+              <a:rPr lang="en-US" altLang="zh-CN" dirty="0" smtClean="0"/>
+              <a:t>Python</a:t>
+            </a:r>
+            <a:r>
+              <a:rPr lang="zh-CN" altLang="en-US" dirty="0"/>
+              <a:t>中并没有提供定义常量的</a:t>
+            </a:r>
+            <a:r>
+              <a:rPr lang="zh-CN" altLang="en-US" dirty="0" smtClean="0"/>
+              <a:t>保留字</a:t>
+            </a:r>
+            <a:endParaRPr lang="en-US" altLang="zh-CN" dirty="0"/>
           </a:p>
         </p:txBody>
       </p:sp>
@@ -11687,6 +11710,59 @@
                       </p:childTnLst>
                     </p:cTn>
                   </p:par>
+                  <p:par>
+                    <p:cTn id="43" fill="hold">
+                      <p:stCondLst>
+                        <p:cond delay="indefinite"/>
+                      </p:stCondLst>
+                      <p:childTnLst>
+                        <p:par>
+                          <p:cTn id="44" fill="hold">
+                            <p:stCondLst>
+                              <p:cond delay="0"/>
+                            </p:stCondLst>
+                            <p:childTnLst>
+                              <p:par>
+                                <p:cTn id="45" presetID="10" presetClass="entr" presetSubtype="0" fill="hold" grpId="0" nodeType="clickEffect">
+                                  <p:stCondLst>
+                                    <p:cond delay="0"/>
+                                  </p:stCondLst>
+                                  <p:childTnLst>
+                                    <p:set>
+                                      <p:cBhvr>
+                                        <p:cTn id="46" dur="1" fill="hold">
+                                          <p:stCondLst>
+                                            <p:cond delay="0"/>
+                                          </p:stCondLst>
+                                        </p:cTn>
+                                        <p:tgtEl>
+                                          <p:spTgt spid="7"/>
+                                        </p:tgtEl>
+                                        <p:attrNameLst>
+                                          <p:attrName>style.visibility</p:attrName>
+                                        </p:attrNameLst>
+                                      </p:cBhvr>
+                                      <p:to>
+                                        <p:strVal val="visible"/>
+                                      </p:to>
+                                    </p:set>
+                                    <p:animEffect transition="in" filter="fade">
+                                      <p:cBhvr>
+                                        <p:cTn id="47" dur="500"/>
+                                        <p:tgtEl>
+                                          <p:spTgt spid="7"/>
+                                        </p:tgtEl>
+                                      </p:cBhvr>
+                                    </p:animEffect>
+                                  </p:childTnLst>
+                                </p:cTn>
+                              </p:par>
+                            </p:childTnLst>
+                          </p:cTn>
+                        </p:par>
+                      </p:childTnLst>
+                    </p:cTn>
+                  </p:par>
                 </p:childTnLst>
               </p:cTn>
               <p:prevCondLst>
@@ -11708,6 +11784,9 @@
         </p:cTn>
       </p:par>
     </p:tnLst>
+    <p:bldLst>
+      <p:bldP spid="7" grpId="0"/>
+    </p:bldLst>
   </p:timing>
 </p:sld>
 </file>
@@ -12044,7 +12123,7 @@
                   <a:srgbClr val="000000"/>
                 </a:solidFill>
               </a:rPr>
-              <a:t>2020-9-23</a:t>
+              <a:t>2020-10-9</a:t>
             </a:fld>
             <a:endParaRPr lang="en-US" altLang="zh-CN" dirty="0">
               <a:solidFill>
@@ -12442,7 +12521,7 @@
                   <a:srgbClr val="000000"/>
                 </a:solidFill>
               </a:rPr>
-              <a:t>2020-9-23</a:t>
+              <a:t>2020-10-9</a:t>
             </a:fld>
             <a:endParaRPr lang="en-US" altLang="zh-CN" dirty="0">
               <a:solidFill>
@@ -12687,7 +12766,7 @@
                   <a:srgbClr val="000000"/>
                 </a:solidFill>
               </a:rPr>
-              <a:t>2020-9-23</a:t>
+              <a:t>2020-10-9</a:t>
             </a:fld>
             <a:endParaRPr lang="en-US" altLang="zh-CN" dirty="0">
               <a:solidFill>
@@ -13187,7 +13266,7 @@
                   <a:srgbClr val="000000"/>
                 </a:solidFill>
               </a:rPr>
-              <a:t>2020-9-23</a:t>
+              <a:t>2020-10-9</a:t>
             </a:fld>
             <a:endParaRPr lang="en-US" altLang="zh-CN" dirty="0">
               <a:solidFill>
@@ -13759,7 +13838,7 @@
                   <a:srgbClr val="000000"/>
                 </a:solidFill>
               </a:rPr>
-              <a:t>2020-9-23</a:t>
+              <a:t>2020-10-9</a:t>
             </a:fld>
             <a:endParaRPr lang="en-US" altLang="zh-CN" dirty="0">
               <a:solidFill>
@@ -14093,7 +14172,7 @@
                   <a:srgbClr val="000000"/>
                 </a:solidFill>
               </a:rPr>
-              <a:t>2020-9-23</a:t>
+              <a:t>2020-10-9</a:t>
             </a:fld>
             <a:endParaRPr lang="en-US" altLang="zh-CN" dirty="0">
               <a:solidFill>
@@ -14608,7 +14687,7 @@
                   <a:srgbClr val="000000"/>
                 </a:solidFill>
               </a:rPr>
-              <a:t>2020-9-23</a:t>
+              <a:t>2020-10-9</a:t>
             </a:fld>
             <a:endParaRPr lang="en-US" altLang="zh-CN" dirty="0">
               <a:solidFill>
@@ -15547,7 +15626,7 @@
                   <a:srgbClr val="000000"/>
                 </a:solidFill>
               </a:rPr>
-              <a:t>2020-9-23</a:t>
+              <a:t>2020-10-9</a:t>
             </a:fld>
             <a:endParaRPr lang="en-US" altLang="zh-CN" dirty="0">
               <a:solidFill>
@@ -16079,7 +16158,7 @@
                   <a:srgbClr val="000000"/>
                 </a:solidFill>
               </a:rPr>
-              <a:t>2020-9-23</a:t>
+              <a:t>2020-10-9</a:t>
             </a:fld>
             <a:endParaRPr lang="en-US" altLang="zh-CN" dirty="0">
               <a:solidFill>
@@ -16528,7 +16607,7 @@
                   <a:srgbClr val="000000"/>
                 </a:solidFill>
               </a:rPr>
-              <a:t>2020-9-23</a:t>
+              <a:t>2020-10-9</a:t>
             </a:fld>
             <a:endParaRPr lang="en-US" altLang="zh-CN" dirty="0">
               <a:solidFill>
@@ -17425,7 +17504,7 @@
                   <a:srgbClr val="000000"/>
                 </a:solidFill>
               </a:rPr>
-              <a:t>2020-9-23</a:t>
+              <a:t>2020-10-9</a:t>
             </a:fld>
             <a:endParaRPr lang="en-US" altLang="zh-CN" dirty="0">
               <a:solidFill>
@@ -21196,7 +21275,7 @@
                   <a:srgbClr val="000000"/>
                 </a:solidFill>
               </a:rPr>
-              <a:t>2020-9-23</a:t>
+              <a:t>2020-10-9</a:t>
             </a:fld>
             <a:endParaRPr lang="en-US" altLang="zh-CN" dirty="0">
               <a:solidFill>
@@ -21724,7 +21803,7 @@
                   <a:srgbClr val="000000"/>
                 </a:solidFill>
               </a:rPr>
-              <a:t>2020-9-23</a:t>
+              <a:t>2020-10-9</a:t>
             </a:fld>
             <a:endParaRPr lang="en-US" altLang="zh-CN" dirty="0">
               <a:solidFill>
@@ -22616,7 +22695,7 @@
                   <a:srgbClr val="000000"/>
                 </a:solidFill>
               </a:rPr>
-              <a:t>2020-9-23</a:t>
+              <a:t>2020-10-9</a:t>
             </a:fld>
             <a:endParaRPr lang="en-US" altLang="zh-CN" dirty="0">
               <a:solidFill>
@@ -23378,7 +23457,7 @@
                   <a:srgbClr val="000000"/>
                 </a:solidFill>
               </a:rPr>
-              <a:t>2020-9-23</a:t>
+              <a:t>2020-10-9</a:t>
             </a:fld>
             <a:endParaRPr lang="en-US" altLang="zh-CN" dirty="0">
               <a:solidFill>
@@ -23680,7 +23759,7 @@
                   <a:srgbClr val="000000"/>
                 </a:solidFill>
               </a:rPr>
-              <a:t>2020-9-23</a:t>
+              <a:t>2020-10-9</a:t>
             </a:fld>
             <a:endParaRPr lang="en-US" altLang="zh-CN" dirty="0">
               <a:solidFill>
@@ -23692,7 +23771,7 @@
       </p:sp>
       <p:pic>
         <p:nvPicPr>
-          <p:cNvPr id="8" name="图片 7"/>
+          <p:cNvPr id="7" name="图片 6"/>
           <p:cNvPicPr>
             <a:picLocks noChangeAspect="1"/>
           </p:cNvPicPr>
@@ -23712,8 +23791,8 @@
         </p:blipFill>
         <p:spPr>
           <a:xfrm>
-            <a:off x="8305843" y="2652751"/>
-            <a:ext cx="3826198" cy="3103471"/>
+            <a:off x="8292793" y="3275708"/>
+            <a:ext cx="3846095" cy="2598251"/>
           </a:xfrm>
           <a:prstGeom prst="rect">
             <a:avLst/>
@@ -24070,7 +24149,7 @@
                   <a:srgbClr val="000000"/>
                 </a:solidFill>
               </a:rPr>
-              <a:t>2020-9-23</a:t>
+              <a:t>2020-10-9</a:t>
             </a:fld>
             <a:endParaRPr lang="en-US" altLang="zh-CN" dirty="0">
               <a:solidFill>
@@ -24473,7 +24552,7 @@
                   <a:srgbClr val="000000"/>
                 </a:solidFill>
               </a:rPr>
-              <a:t>2020-9-23</a:t>
+              <a:t>2020-10-9</a:t>
             </a:fld>
             <a:endParaRPr lang="en-US" altLang="zh-CN" dirty="0">
               <a:solidFill>
@@ -24842,7 +24921,7 @@
                   <a:srgbClr val="000000"/>
                 </a:solidFill>
               </a:rPr>
-              <a:t>2020-9-23</a:t>
+              <a:t>2020-10-9</a:t>
             </a:fld>
             <a:endParaRPr lang="en-US" altLang="zh-CN" dirty="0">
               <a:solidFill>
@@ -25181,7 +25260,7 @@
                   <a:srgbClr val="000000"/>
                 </a:solidFill>
               </a:rPr>
-              <a:t>2020-9-23</a:t>
+              <a:t>2020-10-9</a:t>
             </a:fld>
             <a:endParaRPr lang="en-US" altLang="zh-CN" dirty="0">
               <a:solidFill>
@@ -25445,7 +25524,7 @@
                   <a:srgbClr val="000000"/>
                 </a:solidFill>
               </a:rPr>
-              <a:t>2020-9-23</a:t>
+              <a:t>2020-10-9</a:t>
             </a:fld>
             <a:endParaRPr lang="en-US" altLang="zh-CN" dirty="0">
               <a:solidFill>
@@ -25766,7 +25845,7 @@
                   <a:srgbClr val="000000"/>
                 </a:solidFill>
               </a:rPr>
-              <a:t>2020-9-23</a:t>
+              <a:t>2020-10-9</a:t>
             </a:fld>
             <a:endParaRPr lang="en-US" altLang="zh-CN" dirty="0">
               <a:solidFill>
@@ -26676,7 +26755,7 @@
                   <a:srgbClr val="000000"/>
                 </a:solidFill>
               </a:rPr>
-              <a:t>2020-9-23</a:t>
+              <a:t>2020-10-9</a:t>
             </a:fld>
             <a:endParaRPr lang="en-US" altLang="zh-CN" dirty="0">
               <a:solidFill>
@@ -27066,7 +27145,7 @@
                   <a:srgbClr val="000000"/>
                 </a:solidFill>
               </a:rPr>
-              <a:t>2020-9-23</a:t>
+              <a:t>2020-10-9</a:t>
             </a:fld>
             <a:endParaRPr lang="en-US" altLang="zh-CN" dirty="0">
               <a:solidFill>
@@ -27279,7 +27358,7 @@
                   <a:srgbClr val="000000"/>
                 </a:solidFill>
               </a:rPr>
-              <a:t>2020-9-23</a:t>
+              <a:t>2020-10-9</a:t>
             </a:fld>
             <a:endParaRPr lang="en-US" altLang="zh-CN" dirty="0">
               <a:solidFill>
@@ -28093,7 +28172,7 @@
                   <a:srgbClr val="000000"/>
                 </a:solidFill>
               </a:rPr>
-              <a:t>2020-9-23</a:t>
+              <a:t>2020-10-9</a:t>
             </a:fld>
             <a:endParaRPr lang="en-US" altLang="zh-CN" dirty="0">
               <a:solidFill>
@@ -28421,7 +28500,7 @@
                   <a:srgbClr val="000000"/>
                 </a:solidFill>
               </a:rPr>
-              <a:t>2020-9-23</a:t>
+              <a:t>2020-10-9</a:t>
             </a:fld>
             <a:endParaRPr lang="en-US" altLang="zh-CN" dirty="0">
               <a:solidFill>
@@ -28564,7 +28643,11 @@
             <a:pPr lvl="3"/>
             <a:r>
               <a:rPr lang="zh-CN" altLang="en-US" dirty="0" smtClean="0"/>
-              <a:t>作用域为整个表达式</a:t>
+              <a:t>作用域为整个</a:t>
+            </a:r>
+            <a:r>
+              <a:rPr lang="zh-CN" altLang="en-US" dirty="0" smtClean="0"/>
+              <a:t>表达式</a:t>
             </a:r>
             <a:endParaRPr lang="en-US" altLang="zh-CN" dirty="0" smtClean="0"/>
           </a:p>
@@ -28572,7 +28655,11 @@
             <a:pPr lvl="3"/>
             <a:r>
               <a:rPr lang="zh-CN" altLang="en-US" dirty="0" smtClean="0"/>
-              <a:t>但是如果出现在</a:t>
+              <a:t>但是</a:t>
+            </a:r>
+            <a:r>
+              <a:rPr lang="zh-CN" altLang="en-US" dirty="0" smtClean="0"/>
+              <a:t>如果出现在</a:t>
             </a:r>
             <a:r>
               <a:rPr lang="en-US" altLang="zh-CN" dirty="0" smtClean="0"/>
@@ -28770,7 +28857,7 @@
                   <a:srgbClr val="000000"/>
                 </a:solidFill>
               </a:rPr>
-              <a:t>2020-9-23</a:t>
+              <a:t>2020-10-9</a:t>
             </a:fld>
             <a:endParaRPr lang="en-US" altLang="zh-CN" dirty="0">
               <a:solidFill>
@@ -29117,7 +29204,7 @@
                   <a:srgbClr val="000000"/>
                 </a:solidFill>
               </a:rPr>
-              <a:t>2020-9-23</a:t>
+              <a:t>2020-10-9</a:t>
             </a:fld>
             <a:endParaRPr lang="en-US" altLang="zh-CN" dirty="0">
               <a:solidFill>
@@ -30273,7 +30360,7 @@
                   <a:srgbClr val="000000"/>
                 </a:solidFill>
               </a:rPr>
-              <a:t>2020-9-23</a:t>
+              <a:t>2020-10-9</a:t>
             </a:fld>
             <a:endParaRPr lang="en-US" altLang="zh-CN" dirty="0">
               <a:solidFill>
@@ -30968,7 +31055,7 @@
                   <a:srgbClr val="000000"/>
                 </a:solidFill>
               </a:rPr>
-              <a:t>2020-9-23</a:t>
+              <a:t>2020-10-9</a:t>
             </a:fld>
             <a:endParaRPr lang="en-US" altLang="zh-CN" dirty="0">
               <a:solidFill>
@@ -31507,7 +31594,7 @@
                   <a:srgbClr val="000000"/>
                 </a:solidFill>
               </a:rPr>
-              <a:t>2020-9-23</a:t>
+              <a:t>2020-10-9</a:t>
             </a:fld>
             <a:endParaRPr lang="en-US" altLang="zh-CN" dirty="0">
               <a:solidFill>
@@ -32237,7 +32324,7 @@
                   <a:srgbClr val="000000"/>
                 </a:solidFill>
               </a:rPr>
-              <a:t>2020-9-23</a:t>
+              <a:t>2020-10-9</a:t>
             </a:fld>
             <a:endParaRPr lang="en-US" altLang="zh-CN" dirty="0">
               <a:solidFill>

--- a/slides/2_PythonBasic.pptx
+++ b/slides/2_PythonBasic.pptx
@@ -176,6 +176,80 @@
 </p:cmAuthorLst>
 </file>
 
+<file path=ppt/changesInfos/changesInfo1.xml><?xml version="1.0" encoding="utf-8"?>
+<pc:chgInfo xmlns:a="http://schemas.openxmlformats.org/drawingml/2006/main" xmlns:r="http://schemas.openxmlformats.org/officeDocument/2006/relationships" xmlns:ac="http://schemas.microsoft.com/office/drawing/2013/main/command" xmlns:pc="http://schemas.microsoft.com/office/powerpoint/2013/main/command">
+  <pc:docChgLst>
+    <pc:chgData userId="a1a4dc899414fe72" providerId="LiveId" clId="{3A5EED33-F20A-492F-9973-579D5E1B1496}"/>
+    <pc:docChg chg="modSld">
+      <pc:chgData name="" userId="a1a4dc899414fe72" providerId="LiveId" clId="{3A5EED33-F20A-492F-9973-579D5E1B1496}" dt="2021-09-24T04:51:44.137" v="13"/>
+      <pc:docMkLst>
+        <pc:docMk/>
+      </pc:docMkLst>
+      <pc:sldChg chg="modSp modAnim">
+        <pc:chgData name="" userId="a1a4dc899414fe72" providerId="LiveId" clId="{3A5EED33-F20A-492F-9973-579D5E1B1496}" dt="2021-09-24T04:50:51.294" v="6"/>
+        <pc:sldMkLst>
+          <pc:docMk/>
+          <pc:sldMk cId="1030397752" sldId="277"/>
+        </pc:sldMkLst>
+        <pc:spChg chg="mod">
+          <ac:chgData name="" userId="a1a4dc899414fe72" providerId="LiveId" clId="{3A5EED33-F20A-492F-9973-579D5E1B1496}" dt="2021-09-24T04:50:21.442" v="1" actId="6549"/>
+          <ac:spMkLst>
+            <pc:docMk/>
+            <pc:sldMk cId="1030397752" sldId="277"/>
+            <ac:spMk id="3" creationId="{00000000-0000-0000-0000-000000000000}"/>
+          </ac:spMkLst>
+        </pc:spChg>
+      </pc:sldChg>
+      <pc:sldChg chg="modAnim">
+        <pc:chgData name="" userId="a1a4dc899414fe72" providerId="LiveId" clId="{3A5EED33-F20A-492F-9973-579D5E1B1496}" dt="2021-09-24T04:51:26.896" v="12"/>
+        <pc:sldMkLst>
+          <pc:docMk/>
+          <pc:sldMk cId="232589082" sldId="278"/>
+        </pc:sldMkLst>
+      </pc:sldChg>
+      <pc:sldChg chg="modAnim">
+        <pc:chgData name="" userId="a1a4dc899414fe72" providerId="LiveId" clId="{3A5EED33-F20A-492F-9973-579D5E1B1496}" dt="2021-09-24T04:51:44.137" v="13"/>
+        <pc:sldMkLst>
+          <pc:docMk/>
+          <pc:sldMk cId="1373984425" sldId="292"/>
+        </pc:sldMkLst>
+      </pc:sldChg>
+      <pc:sldChg chg="modAnim">
+        <pc:chgData name="" userId="a1a4dc899414fe72" providerId="LiveId" clId="{3A5EED33-F20A-492F-9973-579D5E1B1496}" dt="2021-09-24T04:50:10.612" v="0"/>
+        <pc:sldMkLst>
+          <pc:docMk/>
+          <pc:sldMk cId="2309679991" sldId="304"/>
+        </pc:sldMkLst>
+      </pc:sldChg>
+    </pc:docChg>
+  </pc:docChgLst>
+  <pc:docChgLst>
+    <pc:chgData name="Bin Fang" userId="a1a4dc899414fe72" providerId="LiveId" clId="{381CA9E4-E3E9-F745-A9C8-E285B7938064}"/>
+    <pc:docChg chg="modSld">
+      <pc:chgData name="Bin Fang" userId="a1a4dc899414fe72" providerId="LiveId" clId="{381CA9E4-E3E9-F745-A9C8-E285B7938064}" dt="2021-09-24T05:44:33.892" v="5" actId="20577"/>
+      <pc:docMkLst>
+        <pc:docMk/>
+      </pc:docMkLst>
+      <pc:sldChg chg="modSp mod">
+        <pc:chgData name="Bin Fang" userId="a1a4dc899414fe72" providerId="LiveId" clId="{381CA9E4-E3E9-F745-A9C8-E285B7938064}" dt="2021-09-24T05:44:33.892" v="5" actId="20577"/>
+        <pc:sldMkLst>
+          <pc:docMk/>
+          <pc:sldMk cId="4184973484" sldId="286"/>
+        </pc:sldMkLst>
+        <pc:spChg chg="mod">
+          <ac:chgData name="Bin Fang" userId="a1a4dc899414fe72" providerId="LiveId" clId="{381CA9E4-E3E9-F745-A9C8-E285B7938064}" dt="2021-09-24T05:44:33.892" v="5" actId="20577"/>
+          <ac:spMkLst>
+            <pc:docMk/>
+            <pc:sldMk cId="4184973484" sldId="286"/>
+            <ac:spMk id="8" creationId="{00000000-0000-0000-0000-000000000000}"/>
+          </ac:spMkLst>
+        </pc:spChg>
+      </pc:sldChg>
+    </pc:docChg>
+  </pc:docChgLst>
+</pc:chgInfo>
+</file>
+
 <file path=ppt/handoutMasters/handoutMaster1.xml><?xml version="1.0" encoding="utf-8"?>
 <p:handoutMaster xmlns:a="http://schemas.openxmlformats.org/drawingml/2006/main" xmlns:r="http://schemas.openxmlformats.org/officeDocument/2006/relationships" xmlns:p="http://schemas.openxmlformats.org/presentationml/2006/main">
   <p:cSld>
@@ -258,7 +332,7 @@
           <a:p>
             <a:fld id="{A88041C2-66FF-41C4-85D2-86F3F8AD720F}" type="datetimeFigureOut">
               <a:rPr lang="zh-CN" altLang="en-US" smtClean="0"/>
-              <a:t>2021-9-20</a:t>
+              <a:t>2021/9/24</a:t>
             </a:fld>
             <a:endParaRPr lang="zh-CN" altLang="en-US"/>
           </a:p>
@@ -423,7 +497,7 @@
           <a:p>
             <a:fld id="{D8668C14-09F9-4DC1-91DB-F9303502AD59}" type="datetimeFigureOut">
               <a:rPr lang="zh-CN" altLang="en-US" smtClean="0"/>
-              <a:t>2021-9-20</a:t>
+              <a:t>2021/9/24</a:t>
             </a:fld>
             <a:endParaRPr lang="zh-CN" altLang="en-US"/>
           </a:p>
@@ -1749,7 +1823,7 @@
                   <a:srgbClr val="000000"/>
                 </a:solidFill>
               </a:rPr>
-              <a:t>2021-9-20</a:t>
+              <a:t>2021/9/24</a:t>
             </a:fld>
             <a:endParaRPr lang="en-US" altLang="zh-CN" dirty="0">
               <a:solidFill>
@@ -2004,7 +2078,7 @@
                   <a:srgbClr val="000000"/>
                 </a:solidFill>
               </a:rPr>
-              <a:t>2021-9-20</a:t>
+              <a:t>2021/9/24</a:t>
             </a:fld>
             <a:endParaRPr lang="en-US" altLang="zh-CN" dirty="0">
               <a:solidFill>
@@ -2315,7 +2389,7 @@
                   <a:srgbClr val="000000"/>
                 </a:solidFill>
               </a:rPr>
-              <a:t>2021-9-20</a:t>
+              <a:t>2021/9/24</a:t>
             </a:fld>
             <a:endParaRPr lang="en-US" altLang="zh-CN" dirty="0">
               <a:solidFill>
@@ -2993,7 +3067,7 @@
             </a:pPr>
             <a:fld id="{1152697E-1B43-415E-9287-C81E231CFF6B}" type="datetime1">
               <a:rPr lang="zh-CN" altLang="en-US" smtClean="0"/>
-              <a:t>2021-9-20</a:t>
+              <a:t>2021/9/24</a:t>
             </a:fld>
             <a:endParaRPr lang="da-DK"/>
           </a:p>
@@ -3333,7 +3407,7 @@
                   <a:srgbClr val="000000"/>
                 </a:solidFill>
               </a:rPr>
-              <a:t>2021-9-20</a:t>
+              <a:t>2021/9/24</a:t>
             </a:fld>
             <a:endParaRPr lang="en-US" altLang="zh-CN" dirty="0">
               <a:solidFill>
@@ -3601,7 +3675,7 @@
                   <a:srgbClr val="000000"/>
                 </a:solidFill>
               </a:rPr>
-              <a:t>2021-9-20</a:t>
+              <a:t>2021/9/24</a:t>
             </a:fld>
             <a:endParaRPr lang="en-US" altLang="zh-CN" dirty="0">
               <a:solidFill>
@@ -3963,7 +4037,7 @@
                   <a:srgbClr val="000000"/>
                 </a:solidFill>
               </a:rPr>
-              <a:t>2021-9-20</a:t>
+              <a:t>2021/9/24</a:t>
             </a:fld>
             <a:endParaRPr lang="en-US" altLang="zh-CN" dirty="0">
               <a:solidFill>
@@ -4464,7 +4538,7 @@
                   <a:srgbClr val="000000"/>
                 </a:solidFill>
               </a:rPr>
-              <a:t>2021-9-20</a:t>
+              <a:t>2021/9/24</a:t>
             </a:fld>
             <a:endParaRPr lang="en-US" altLang="zh-CN" dirty="0">
               <a:solidFill>
@@ -4658,7 +4732,7 @@
                   <a:srgbClr val="000000"/>
                 </a:solidFill>
               </a:rPr>
-              <a:t>2021-9-20</a:t>
+              <a:t>2021/9/24</a:t>
             </a:fld>
             <a:endParaRPr lang="en-US" altLang="zh-CN" dirty="0">
               <a:solidFill>
@@ -4830,7 +4904,7 @@
                   <a:srgbClr val="000000"/>
                 </a:solidFill>
               </a:rPr>
-              <a:t>2021-9-20</a:t>
+              <a:t>2021/9/24</a:t>
             </a:fld>
             <a:endParaRPr lang="en-US" altLang="zh-CN" dirty="0">
               <a:solidFill>
@@ -5182,7 +5256,7 @@
                   <a:srgbClr val="000000"/>
                 </a:solidFill>
               </a:rPr>
-              <a:t>2021-9-20</a:t>
+              <a:t>2021/9/24</a:t>
             </a:fld>
             <a:endParaRPr lang="en-US" altLang="zh-CN" dirty="0">
               <a:solidFill>
@@ -5515,7 +5589,7 @@
                   <a:srgbClr val="000000"/>
                 </a:solidFill>
               </a:rPr>
-              <a:t>2021-9-20</a:t>
+              <a:t>2021/9/24</a:t>
             </a:fld>
             <a:endParaRPr lang="en-US" altLang="zh-CN" dirty="0">
               <a:solidFill>
@@ -5909,7 +5983,7 @@
                   <a:srgbClr val="000000"/>
                 </a:solidFill>
               </a:rPr>
-              <a:t>2021-9-20</a:t>
+              <a:t>2021/9/24</a:t>
             </a:fld>
             <a:endParaRPr lang="en-US" altLang="zh-CN" dirty="0">
               <a:solidFill>
@@ -6802,7 +6876,7 @@
                   <a:srgbClr val="000000"/>
                 </a:solidFill>
               </a:rPr>
-              <a:t>2021-9-20</a:t>
+              <a:t>2021/9/24</a:t>
             </a:fld>
             <a:endParaRPr lang="en-US" altLang="zh-CN" dirty="0">
               <a:solidFill>
@@ -7934,7 +8008,7 @@
                   <a:srgbClr val="000000"/>
                 </a:solidFill>
               </a:rPr>
-              <a:t>2021-9-21</a:t>
+              <a:t>2021/9/24</a:t>
             </a:fld>
             <a:endParaRPr lang="en-US" altLang="zh-CN" dirty="0">
               <a:solidFill>
@@ -7954,6 +8028,140 @@
   <p:clrMapOvr>
     <a:masterClrMapping/>
   </p:clrMapOvr>
+  <p:timing>
+    <p:tnLst>
+      <p:par>
+        <p:cTn id="1" dur="indefinite" restart="never" nodeType="tmRoot">
+          <p:childTnLst>
+            <p:seq concurrent="1" nextAc="seek">
+              <p:cTn id="2" dur="indefinite" nodeType="mainSeq">
+                <p:childTnLst>
+                  <p:par>
+                    <p:cTn id="3" fill="hold">
+                      <p:stCondLst>
+                        <p:cond delay="indefinite"/>
+                      </p:stCondLst>
+                      <p:childTnLst>
+                        <p:par>
+                          <p:cTn id="4" fill="hold">
+                            <p:stCondLst>
+                              <p:cond delay="0"/>
+                            </p:stCondLst>
+                            <p:childTnLst>
+                              <p:par>
+                                <p:cTn id="5" presetID="10" presetClass="entr" presetSubtype="0" fill="hold" nodeType="clickEffect">
+                                  <p:stCondLst>
+                                    <p:cond delay="0"/>
+                                  </p:stCondLst>
+                                  <p:childTnLst>
+                                    <p:set>
+                                      <p:cBhvr>
+                                        <p:cTn id="6" dur="1" fill="hold">
+                                          <p:stCondLst>
+                                            <p:cond delay="0"/>
+                                          </p:stCondLst>
+                                        </p:cTn>
+                                        <p:tgtEl>
+                                          <p:spTgt spid="3">
+                                            <p:txEl>
+                                              <p:pRg st="3" end="3"/>
+                                            </p:txEl>
+                                          </p:spTgt>
+                                        </p:tgtEl>
+                                        <p:attrNameLst>
+                                          <p:attrName>style.visibility</p:attrName>
+                                        </p:attrNameLst>
+                                      </p:cBhvr>
+                                      <p:to>
+                                        <p:strVal val="visible"/>
+                                      </p:to>
+                                    </p:set>
+                                    <p:animEffect transition="in" filter="fade">
+                                      <p:cBhvr>
+                                        <p:cTn id="7" dur="500"/>
+                                        <p:tgtEl>
+                                          <p:spTgt spid="3">
+                                            <p:txEl>
+                                              <p:pRg st="3" end="3"/>
+                                            </p:txEl>
+                                          </p:spTgt>
+                                        </p:tgtEl>
+                                      </p:cBhvr>
+                                    </p:animEffect>
+                                  </p:childTnLst>
+                                </p:cTn>
+                              </p:par>
+                              <p:par>
+                                <p:cTn id="8" presetID="10" presetClass="entr" presetSubtype="0" fill="hold" nodeType="withEffect">
+                                  <p:stCondLst>
+                                    <p:cond delay="0"/>
+                                  </p:stCondLst>
+                                  <p:childTnLst>
+                                    <p:set>
+                                      <p:cBhvr>
+                                        <p:cTn id="9" dur="1" fill="hold">
+                                          <p:stCondLst>
+                                            <p:cond delay="0"/>
+                                          </p:stCondLst>
+                                        </p:cTn>
+                                        <p:tgtEl>
+                                          <p:spTgt spid="3">
+                                            <p:txEl>
+                                              <p:pRg st="4" end="4"/>
+                                            </p:txEl>
+                                          </p:spTgt>
+                                        </p:tgtEl>
+                                        <p:attrNameLst>
+                                          <p:attrName>style.visibility</p:attrName>
+                                        </p:attrNameLst>
+                                      </p:cBhvr>
+                                      <p:to>
+                                        <p:strVal val="visible"/>
+                                      </p:to>
+                                    </p:set>
+                                    <p:animEffect transition="in" filter="fade">
+                                      <p:cBhvr>
+                                        <p:cTn id="10" dur="500"/>
+                                        <p:tgtEl>
+                                          <p:spTgt spid="3">
+                                            <p:txEl>
+                                              <p:pRg st="4" end="4"/>
+                                            </p:txEl>
+                                          </p:spTgt>
+                                        </p:tgtEl>
+                                      </p:cBhvr>
+                                    </p:animEffect>
+                                  </p:childTnLst>
+                                </p:cTn>
+                              </p:par>
+                            </p:childTnLst>
+                          </p:cTn>
+                        </p:par>
+                      </p:childTnLst>
+                    </p:cTn>
+                  </p:par>
+                </p:childTnLst>
+              </p:cTn>
+              <p:prevCondLst>
+                <p:cond evt="onPrev" delay="0">
+                  <p:tgtEl>
+                    <p:sldTgt/>
+                  </p:tgtEl>
+                </p:cond>
+              </p:prevCondLst>
+              <p:nextCondLst>
+                <p:cond evt="onNext" delay="0">
+                  <p:tgtEl>
+                    <p:sldTgt/>
+                  </p:tgtEl>
+                </p:cond>
+              </p:nextCondLst>
+            </p:seq>
+          </p:childTnLst>
+        </p:cTn>
+      </p:par>
+    </p:tnLst>
+  </p:timing>
 </p:sld>
 </file>
 
@@ -8267,15 +8475,7 @@
             <a:pPr lvl="2"/>
             <a:r>
               <a:rPr lang="zh-CN" altLang="en-US" dirty="0"/>
-              <a:t>变量名可能会有多个单词</a:t>
-            </a:r>
-            <a:r>
-              <a:rPr lang="zh-CN" altLang="en-US"/>
-              <a:t>组成，常见的组合方式</a:t>
-            </a:r>
-            <a:r>
-              <a:rPr lang="zh-CN" altLang="en-US" dirty="0"/>
-              <a:t>：驼峰（除首单词外每个单词的首字母大写，如</a:t>
+              <a:t>变量名可能会有多个单词组成，常见的组合方式：驼峰（除首单词外每个单词的首字母大写，如</a:t>
             </a:r>
             <a:r>
               <a:rPr lang="en-US" altLang="zh-CN" dirty="0" err="1"/>
@@ -8397,7 +8597,7 @@
                   <a:srgbClr val="000000"/>
                 </a:solidFill>
               </a:rPr>
-              <a:t>2021-9-21</a:t>
+              <a:t>2021/9/24</a:t>
             </a:fld>
             <a:endParaRPr lang="en-US" altLang="zh-CN" dirty="0">
               <a:solidFill>
@@ -8510,7 +8710,7 @@
                                         <p:tgtEl>
                                           <p:spTgt spid="3">
                                             <p:txEl>
-                                              <p:pRg st="0" end="0"/>
+                                              <p:pRg st="6" end="6"/>
                                             </p:txEl>
                                           </p:spTgt>
                                         </p:tgtEl>
@@ -8528,7 +8728,7 @@
                                         <p:tgtEl>
                                           <p:spTgt spid="3">
                                             <p:txEl>
-                                              <p:pRg st="0" end="0"/>
+                                              <p:pRg st="6" end="6"/>
                                             </p:txEl>
                                           </p:spTgt>
                                         </p:tgtEl>
@@ -8553,7 +8753,7 @@
                                         <p:tgtEl>
                                           <p:spTgt spid="3">
                                             <p:txEl>
-                                              <p:pRg st="1" end="1"/>
+                                              <p:pRg st="7" end="7"/>
                                             </p:txEl>
                                           </p:spTgt>
                                         </p:tgtEl>
@@ -8571,7 +8771,7 @@
                                         <p:tgtEl>
                                           <p:spTgt spid="3">
                                             <p:txEl>
-                                              <p:pRg st="1" end="1"/>
+                                              <p:pRg st="7" end="7"/>
                                             </p:txEl>
                                           </p:spTgt>
                                         </p:tgtEl>
@@ -8596,7 +8796,7 @@
                                         <p:tgtEl>
                                           <p:spTgt spid="3">
                                             <p:txEl>
-                                              <p:pRg st="2" end="2"/>
+                                              <p:pRg st="8" end="8"/>
                                             </p:txEl>
                                           </p:spTgt>
                                         </p:tgtEl>
@@ -8614,264 +8814,6 @@
                                         <p:tgtEl>
                                           <p:spTgt spid="3">
                                             <p:txEl>
-                                              <p:pRg st="2" end="2"/>
-                                            </p:txEl>
-                                          </p:spTgt>
-                                        </p:tgtEl>
-                                      </p:cBhvr>
-                                    </p:animEffect>
-                                  </p:childTnLst>
-                                </p:cTn>
-                              </p:par>
-                              <p:par>
-                                <p:cTn id="14" presetID="10" presetClass="entr" presetSubtype="0" fill="hold" nodeType="withEffect">
-                                  <p:stCondLst>
-                                    <p:cond delay="0"/>
-                                  </p:stCondLst>
-                                  <p:childTnLst>
-                                    <p:set>
-                                      <p:cBhvr>
-                                        <p:cTn id="15" dur="1" fill="hold">
-                                          <p:stCondLst>
-                                            <p:cond delay="0"/>
-                                          </p:stCondLst>
-                                        </p:cTn>
-                                        <p:tgtEl>
-                                          <p:spTgt spid="3">
-                                            <p:txEl>
-                                              <p:pRg st="3" end="3"/>
-                                            </p:txEl>
-                                          </p:spTgt>
-                                        </p:tgtEl>
-                                        <p:attrNameLst>
-                                          <p:attrName>style.visibility</p:attrName>
-                                        </p:attrNameLst>
-                                      </p:cBhvr>
-                                      <p:to>
-                                        <p:strVal val="visible"/>
-                                      </p:to>
-                                    </p:set>
-                                    <p:animEffect transition="in" filter="fade">
-                                      <p:cBhvr>
-                                        <p:cTn id="16" dur="500"/>
-                                        <p:tgtEl>
-                                          <p:spTgt spid="3">
-                                            <p:txEl>
-                                              <p:pRg st="3" end="3"/>
-                                            </p:txEl>
-                                          </p:spTgt>
-                                        </p:tgtEl>
-                                      </p:cBhvr>
-                                    </p:animEffect>
-                                  </p:childTnLst>
-                                </p:cTn>
-                              </p:par>
-                              <p:par>
-                                <p:cTn id="17" presetID="10" presetClass="entr" presetSubtype="0" fill="hold" nodeType="withEffect">
-                                  <p:stCondLst>
-                                    <p:cond delay="0"/>
-                                  </p:stCondLst>
-                                  <p:childTnLst>
-                                    <p:set>
-                                      <p:cBhvr>
-                                        <p:cTn id="18" dur="1" fill="hold">
-                                          <p:stCondLst>
-                                            <p:cond delay="0"/>
-                                          </p:stCondLst>
-                                        </p:cTn>
-                                        <p:tgtEl>
-                                          <p:spTgt spid="3">
-                                            <p:txEl>
-                                              <p:pRg st="4" end="4"/>
-                                            </p:txEl>
-                                          </p:spTgt>
-                                        </p:tgtEl>
-                                        <p:attrNameLst>
-                                          <p:attrName>style.visibility</p:attrName>
-                                        </p:attrNameLst>
-                                      </p:cBhvr>
-                                      <p:to>
-                                        <p:strVal val="visible"/>
-                                      </p:to>
-                                    </p:set>
-                                    <p:animEffect transition="in" filter="fade">
-                                      <p:cBhvr>
-                                        <p:cTn id="19" dur="500"/>
-                                        <p:tgtEl>
-                                          <p:spTgt spid="3">
-                                            <p:txEl>
-                                              <p:pRg st="4" end="4"/>
-                                            </p:txEl>
-                                          </p:spTgt>
-                                        </p:tgtEl>
-                                      </p:cBhvr>
-                                    </p:animEffect>
-                                  </p:childTnLst>
-                                </p:cTn>
-                              </p:par>
-                              <p:par>
-                                <p:cTn id="20" presetID="10" presetClass="entr" presetSubtype="0" fill="hold" nodeType="withEffect">
-                                  <p:stCondLst>
-                                    <p:cond delay="0"/>
-                                  </p:stCondLst>
-                                  <p:childTnLst>
-                                    <p:set>
-                                      <p:cBhvr>
-                                        <p:cTn id="21" dur="1" fill="hold">
-                                          <p:stCondLst>
-                                            <p:cond delay="0"/>
-                                          </p:stCondLst>
-                                        </p:cTn>
-                                        <p:tgtEl>
-                                          <p:spTgt spid="3">
-                                            <p:txEl>
-                                              <p:pRg st="5" end="5"/>
-                                            </p:txEl>
-                                          </p:spTgt>
-                                        </p:tgtEl>
-                                        <p:attrNameLst>
-                                          <p:attrName>style.visibility</p:attrName>
-                                        </p:attrNameLst>
-                                      </p:cBhvr>
-                                      <p:to>
-                                        <p:strVal val="visible"/>
-                                      </p:to>
-                                    </p:set>
-                                    <p:animEffect transition="in" filter="fade">
-                                      <p:cBhvr>
-                                        <p:cTn id="22" dur="500"/>
-                                        <p:tgtEl>
-                                          <p:spTgt spid="3">
-                                            <p:txEl>
-                                              <p:pRg st="5" end="5"/>
-                                            </p:txEl>
-                                          </p:spTgt>
-                                        </p:tgtEl>
-                                      </p:cBhvr>
-                                    </p:animEffect>
-                                  </p:childTnLst>
-                                </p:cTn>
-                              </p:par>
-                              <p:par>
-                                <p:cTn id="23" presetID="10" presetClass="entr" presetSubtype="0" fill="hold" nodeType="withEffect">
-                                  <p:stCondLst>
-                                    <p:cond delay="0"/>
-                                  </p:stCondLst>
-                                  <p:childTnLst>
-                                    <p:set>
-                                      <p:cBhvr>
-                                        <p:cTn id="24" dur="1" fill="hold">
-                                          <p:stCondLst>
-                                            <p:cond delay="0"/>
-                                          </p:stCondLst>
-                                        </p:cTn>
-                                        <p:tgtEl>
-                                          <p:spTgt spid="3">
-                                            <p:txEl>
-                                              <p:pRg st="6" end="6"/>
-                                            </p:txEl>
-                                          </p:spTgt>
-                                        </p:tgtEl>
-                                        <p:attrNameLst>
-                                          <p:attrName>style.visibility</p:attrName>
-                                        </p:attrNameLst>
-                                      </p:cBhvr>
-                                      <p:to>
-                                        <p:strVal val="visible"/>
-                                      </p:to>
-                                    </p:set>
-                                    <p:animEffect transition="in" filter="fade">
-                                      <p:cBhvr>
-                                        <p:cTn id="25" dur="500"/>
-                                        <p:tgtEl>
-                                          <p:spTgt spid="3">
-                                            <p:txEl>
-                                              <p:pRg st="6" end="6"/>
-                                            </p:txEl>
-                                          </p:spTgt>
-                                        </p:tgtEl>
-                                      </p:cBhvr>
-                                    </p:animEffect>
-                                  </p:childTnLst>
-                                </p:cTn>
-                              </p:par>
-                              <p:par>
-                                <p:cTn id="26" presetID="10" presetClass="entr" presetSubtype="0" fill="hold" nodeType="withEffect">
-                                  <p:stCondLst>
-                                    <p:cond delay="0"/>
-                                  </p:stCondLst>
-                                  <p:childTnLst>
-                                    <p:set>
-                                      <p:cBhvr>
-                                        <p:cTn id="27" dur="1" fill="hold">
-                                          <p:stCondLst>
-                                            <p:cond delay="0"/>
-                                          </p:stCondLst>
-                                        </p:cTn>
-                                        <p:tgtEl>
-                                          <p:spTgt spid="3">
-                                            <p:txEl>
-                                              <p:pRg st="7" end="7"/>
-                                            </p:txEl>
-                                          </p:spTgt>
-                                        </p:tgtEl>
-                                        <p:attrNameLst>
-                                          <p:attrName>style.visibility</p:attrName>
-                                        </p:attrNameLst>
-                                      </p:cBhvr>
-                                      <p:to>
-                                        <p:strVal val="visible"/>
-                                      </p:to>
-                                    </p:set>
-                                    <p:animEffect transition="in" filter="fade">
-                                      <p:cBhvr>
-                                        <p:cTn id="28" dur="500"/>
-                                        <p:tgtEl>
-                                          <p:spTgt spid="3">
-                                            <p:txEl>
-                                              <p:pRg st="7" end="7"/>
-                                            </p:txEl>
-                                          </p:spTgt>
-                                        </p:tgtEl>
-                                      </p:cBhvr>
-                                    </p:animEffect>
-                                  </p:childTnLst>
-                                </p:cTn>
-                              </p:par>
-                              <p:par>
-                                <p:cTn id="29" presetID="10" presetClass="entr" presetSubtype="0" fill="hold" nodeType="withEffect">
-                                  <p:stCondLst>
-                                    <p:cond delay="0"/>
-                                  </p:stCondLst>
-                                  <p:childTnLst>
-                                    <p:set>
-                                      <p:cBhvr>
-                                        <p:cTn id="30" dur="1" fill="hold">
-                                          <p:stCondLst>
-                                            <p:cond delay="0"/>
-                                          </p:stCondLst>
-                                        </p:cTn>
-                                        <p:tgtEl>
-                                          <p:spTgt spid="3">
-                                            <p:txEl>
-                                              <p:pRg st="8" end="8"/>
-                                            </p:txEl>
-                                          </p:spTgt>
-                                        </p:tgtEl>
-                                        <p:attrNameLst>
-                                          <p:attrName>style.visibility</p:attrName>
-                                        </p:attrNameLst>
-                                      </p:cBhvr>
-                                      <p:to>
-                                        <p:strVal val="visible"/>
-                                      </p:to>
-                                    </p:set>
-                                    <p:animEffect transition="in" filter="fade">
-                                      <p:cBhvr>
-                                        <p:cTn id="31" dur="500"/>
-                                        <p:tgtEl>
-                                          <p:spTgt spid="3">
-                                            <p:txEl>
                                               <p:pRg st="8" end="8"/>
                                             </p:txEl>
                                           </p:spTgt>
@@ -8881,15 +8823,33 @@
                                   </p:childTnLst>
                                 </p:cTn>
                               </p:par>
+                            </p:childTnLst>
+                          </p:cTn>
+                        </p:par>
+                      </p:childTnLst>
+                    </p:cTn>
+                  </p:par>
+                  <p:par>
+                    <p:cTn id="14" fill="hold">
+                      <p:stCondLst>
+                        <p:cond delay="indefinite"/>
+                      </p:stCondLst>
+                      <p:childTnLst>
+                        <p:par>
+                          <p:cTn id="15" fill="hold">
+                            <p:stCondLst>
+                              <p:cond delay="0"/>
+                            </p:stCondLst>
+                            <p:childTnLst>
                               <p:par>
-                                <p:cTn id="32" presetID="10" presetClass="entr" presetSubtype="0" fill="hold" nodeType="withEffect">
+                                <p:cTn id="16" presetID="10" presetClass="entr" presetSubtype="0" fill="hold" nodeType="clickEffect">
                                   <p:stCondLst>
                                     <p:cond delay="0"/>
                                   </p:stCondLst>
                                   <p:childTnLst>
                                     <p:set>
                                       <p:cBhvr>
-                                        <p:cTn id="33" dur="1" fill="hold">
+                                        <p:cTn id="17" dur="1" fill="hold">
                                           <p:stCondLst>
                                             <p:cond delay="0"/>
                                           </p:stCondLst>
@@ -8911,7 +8871,7 @@
                                     </p:set>
                                     <p:animEffect transition="in" filter="fade">
                                       <p:cBhvr>
-                                        <p:cTn id="34" dur="500"/>
+                                        <p:cTn id="18" dur="500"/>
                                         <p:tgtEl>
                                           <p:spTgt spid="3">
                                             <p:txEl>
@@ -8925,14 +8885,14 @@
                                 </p:cTn>
                               </p:par>
                               <p:par>
-                                <p:cTn id="35" presetID="10" presetClass="entr" presetSubtype="0" fill="hold" nodeType="withEffect">
+                                <p:cTn id="19" presetID="10" presetClass="entr" presetSubtype="0" fill="hold" nodeType="withEffect">
                                   <p:stCondLst>
                                     <p:cond delay="0"/>
                                   </p:stCondLst>
                                   <p:childTnLst>
                                     <p:set>
                                       <p:cBhvr>
-                                        <p:cTn id="36" dur="1" fill="hold">
+                                        <p:cTn id="20" dur="1" fill="hold">
                                           <p:stCondLst>
                                             <p:cond delay="0"/>
                                           </p:stCondLst>
@@ -8954,7 +8914,7 @@
                                     </p:set>
                                     <p:animEffect transition="in" filter="fade">
                                       <p:cBhvr>
-                                        <p:cTn id="37" dur="500"/>
+                                        <p:cTn id="21" dur="500"/>
                                         <p:tgtEl>
                                           <p:spTgt spid="3">
                                             <p:txEl>
@@ -8974,26 +8934,26 @@
                     </p:cTn>
                   </p:par>
                   <p:par>
-                    <p:cTn id="38" fill="hold">
+                    <p:cTn id="22" fill="hold">
                       <p:stCondLst>
                         <p:cond delay="indefinite"/>
                       </p:stCondLst>
                       <p:childTnLst>
                         <p:par>
-                          <p:cTn id="39" fill="hold">
+                          <p:cTn id="23" fill="hold">
                             <p:stCondLst>
                               <p:cond delay="0"/>
                             </p:stCondLst>
                             <p:childTnLst>
                               <p:par>
-                                <p:cTn id="40" presetID="10" presetClass="entr" presetSubtype="0" fill="hold" grpId="0" nodeType="clickEffect">
+                                <p:cTn id="24" presetID="10" presetClass="entr" presetSubtype="0" fill="hold" grpId="0" nodeType="clickEffect">
                                   <p:stCondLst>
                                     <p:cond delay="0"/>
                                   </p:stCondLst>
                                   <p:childTnLst>
                                     <p:set>
                                       <p:cBhvr>
-                                        <p:cTn id="41" dur="1" fill="hold">
+                                        <p:cTn id="25" dur="1" fill="hold">
                                           <p:stCondLst>
                                             <p:cond delay="0"/>
                                           </p:stCondLst>
@@ -9011,7 +8971,7 @@
                                     </p:set>
                                     <p:animEffect transition="in" filter="fade">
                                       <p:cBhvr>
-                                        <p:cTn id="42" dur="500"/>
+                                        <p:cTn id="26" dur="500"/>
                                         <p:tgtEl>
                                           <p:spTgt spid="7"/>
                                         </p:tgtEl>
@@ -9351,7 +9311,7 @@
                   <a:srgbClr val="000000"/>
                 </a:solidFill>
               </a:rPr>
-              <a:t>2021-9-21</a:t>
+              <a:t>2021/9/24</a:t>
             </a:fld>
             <a:endParaRPr lang="en-US" altLang="zh-CN" dirty="0">
               <a:solidFill>
@@ -9435,7 +9395,7 @@
                             </p:stCondLst>
                             <p:childTnLst>
                               <p:par>
-                                <p:cTn id="5" presetID="10" presetClass="entr" presetSubtype="0" fill="hold" grpId="0" nodeType="clickEffect">
+                                <p:cTn id="5" presetID="10" presetClass="entr" presetSubtype="0" fill="hold" nodeType="clickEffect">
                                   <p:stCondLst>
                                     <p:cond delay="0"/>
                                   </p:stCondLst>
@@ -9443,6 +9403,354 @@
                                     <p:set>
                                       <p:cBhvr>
                                         <p:cTn id="6" dur="1" fill="hold">
+                                          <p:stCondLst>
+                                            <p:cond delay="0"/>
+                                          </p:stCondLst>
+                                        </p:cTn>
+                                        <p:tgtEl>
+                                          <p:spTgt spid="3">
+                                            <p:txEl>
+                                              <p:pRg st="2" end="2"/>
+                                            </p:txEl>
+                                          </p:spTgt>
+                                        </p:tgtEl>
+                                        <p:attrNameLst>
+                                          <p:attrName>style.visibility</p:attrName>
+                                        </p:attrNameLst>
+                                      </p:cBhvr>
+                                      <p:to>
+                                        <p:strVal val="visible"/>
+                                      </p:to>
+                                    </p:set>
+                                    <p:animEffect transition="in" filter="fade">
+                                      <p:cBhvr>
+                                        <p:cTn id="7" dur="500"/>
+                                        <p:tgtEl>
+                                          <p:spTgt spid="3">
+                                            <p:txEl>
+                                              <p:pRg st="2" end="2"/>
+                                            </p:txEl>
+                                          </p:spTgt>
+                                        </p:tgtEl>
+                                      </p:cBhvr>
+                                    </p:animEffect>
+                                  </p:childTnLst>
+                                </p:cTn>
+                              </p:par>
+                            </p:childTnLst>
+                          </p:cTn>
+                        </p:par>
+                      </p:childTnLst>
+                    </p:cTn>
+                  </p:par>
+                  <p:par>
+                    <p:cTn id="8" fill="hold">
+                      <p:stCondLst>
+                        <p:cond delay="indefinite"/>
+                      </p:stCondLst>
+                      <p:childTnLst>
+                        <p:par>
+                          <p:cTn id="9" fill="hold">
+                            <p:stCondLst>
+                              <p:cond delay="0"/>
+                            </p:stCondLst>
+                            <p:childTnLst>
+                              <p:par>
+                                <p:cTn id="10" presetID="10" presetClass="entr" presetSubtype="0" fill="hold" nodeType="clickEffect">
+                                  <p:stCondLst>
+                                    <p:cond delay="0"/>
+                                  </p:stCondLst>
+                                  <p:childTnLst>
+                                    <p:set>
+                                      <p:cBhvr>
+                                        <p:cTn id="11" dur="1" fill="hold">
+                                          <p:stCondLst>
+                                            <p:cond delay="0"/>
+                                          </p:stCondLst>
+                                        </p:cTn>
+                                        <p:tgtEl>
+                                          <p:spTgt spid="3">
+                                            <p:txEl>
+                                              <p:pRg st="3" end="3"/>
+                                            </p:txEl>
+                                          </p:spTgt>
+                                        </p:tgtEl>
+                                        <p:attrNameLst>
+                                          <p:attrName>style.visibility</p:attrName>
+                                        </p:attrNameLst>
+                                      </p:cBhvr>
+                                      <p:to>
+                                        <p:strVal val="visible"/>
+                                      </p:to>
+                                    </p:set>
+                                    <p:animEffect transition="in" filter="fade">
+                                      <p:cBhvr>
+                                        <p:cTn id="12" dur="500"/>
+                                        <p:tgtEl>
+                                          <p:spTgt spid="3">
+                                            <p:txEl>
+                                              <p:pRg st="3" end="3"/>
+                                            </p:txEl>
+                                          </p:spTgt>
+                                        </p:tgtEl>
+                                      </p:cBhvr>
+                                    </p:animEffect>
+                                  </p:childTnLst>
+                                </p:cTn>
+                              </p:par>
+                            </p:childTnLst>
+                          </p:cTn>
+                        </p:par>
+                      </p:childTnLst>
+                    </p:cTn>
+                  </p:par>
+                  <p:par>
+                    <p:cTn id="13" fill="hold">
+                      <p:stCondLst>
+                        <p:cond delay="indefinite"/>
+                      </p:stCondLst>
+                      <p:childTnLst>
+                        <p:par>
+                          <p:cTn id="14" fill="hold">
+                            <p:stCondLst>
+                              <p:cond delay="0"/>
+                            </p:stCondLst>
+                            <p:childTnLst>
+                              <p:par>
+                                <p:cTn id="15" presetID="10" presetClass="entr" presetSubtype="0" fill="hold" nodeType="clickEffect">
+                                  <p:stCondLst>
+                                    <p:cond delay="0"/>
+                                  </p:stCondLst>
+                                  <p:childTnLst>
+                                    <p:set>
+                                      <p:cBhvr>
+                                        <p:cTn id="16" dur="1" fill="hold">
+                                          <p:stCondLst>
+                                            <p:cond delay="0"/>
+                                          </p:stCondLst>
+                                        </p:cTn>
+                                        <p:tgtEl>
+                                          <p:spTgt spid="3">
+                                            <p:txEl>
+                                              <p:pRg st="4" end="4"/>
+                                            </p:txEl>
+                                          </p:spTgt>
+                                        </p:tgtEl>
+                                        <p:attrNameLst>
+                                          <p:attrName>style.visibility</p:attrName>
+                                        </p:attrNameLst>
+                                      </p:cBhvr>
+                                      <p:to>
+                                        <p:strVal val="visible"/>
+                                      </p:to>
+                                    </p:set>
+                                    <p:animEffect transition="in" filter="fade">
+                                      <p:cBhvr>
+                                        <p:cTn id="17" dur="500"/>
+                                        <p:tgtEl>
+                                          <p:spTgt spid="3">
+                                            <p:txEl>
+                                              <p:pRg st="4" end="4"/>
+                                            </p:txEl>
+                                          </p:spTgt>
+                                        </p:tgtEl>
+                                      </p:cBhvr>
+                                    </p:animEffect>
+                                  </p:childTnLst>
+                                </p:cTn>
+                              </p:par>
+                            </p:childTnLst>
+                          </p:cTn>
+                        </p:par>
+                      </p:childTnLst>
+                    </p:cTn>
+                  </p:par>
+                  <p:par>
+                    <p:cTn id="18" fill="hold">
+                      <p:stCondLst>
+                        <p:cond delay="indefinite"/>
+                      </p:stCondLst>
+                      <p:childTnLst>
+                        <p:par>
+                          <p:cTn id="19" fill="hold">
+                            <p:stCondLst>
+                              <p:cond delay="0"/>
+                            </p:stCondLst>
+                            <p:childTnLst>
+                              <p:par>
+                                <p:cTn id="20" presetID="10" presetClass="entr" presetSubtype="0" fill="hold" nodeType="clickEffect">
+                                  <p:stCondLst>
+                                    <p:cond delay="0"/>
+                                  </p:stCondLst>
+                                  <p:childTnLst>
+                                    <p:set>
+                                      <p:cBhvr>
+                                        <p:cTn id="21" dur="1" fill="hold">
+                                          <p:stCondLst>
+                                            <p:cond delay="0"/>
+                                          </p:stCondLst>
+                                        </p:cTn>
+                                        <p:tgtEl>
+                                          <p:spTgt spid="3">
+                                            <p:txEl>
+                                              <p:pRg st="5" end="5"/>
+                                            </p:txEl>
+                                          </p:spTgt>
+                                        </p:tgtEl>
+                                        <p:attrNameLst>
+                                          <p:attrName>style.visibility</p:attrName>
+                                        </p:attrNameLst>
+                                      </p:cBhvr>
+                                      <p:to>
+                                        <p:strVal val="visible"/>
+                                      </p:to>
+                                    </p:set>
+                                    <p:animEffect transition="in" filter="fade">
+                                      <p:cBhvr>
+                                        <p:cTn id="22" dur="500"/>
+                                        <p:tgtEl>
+                                          <p:spTgt spid="3">
+                                            <p:txEl>
+                                              <p:pRg st="5" end="5"/>
+                                            </p:txEl>
+                                          </p:spTgt>
+                                        </p:tgtEl>
+                                      </p:cBhvr>
+                                    </p:animEffect>
+                                  </p:childTnLst>
+                                </p:cTn>
+                              </p:par>
+                            </p:childTnLst>
+                          </p:cTn>
+                        </p:par>
+                      </p:childTnLst>
+                    </p:cTn>
+                  </p:par>
+                  <p:par>
+                    <p:cTn id="23" fill="hold">
+                      <p:stCondLst>
+                        <p:cond delay="indefinite"/>
+                      </p:stCondLst>
+                      <p:childTnLst>
+                        <p:par>
+                          <p:cTn id="24" fill="hold">
+                            <p:stCondLst>
+                              <p:cond delay="0"/>
+                            </p:stCondLst>
+                            <p:childTnLst>
+                              <p:par>
+                                <p:cTn id="25" presetID="10" presetClass="entr" presetSubtype="0" fill="hold" nodeType="clickEffect">
+                                  <p:stCondLst>
+                                    <p:cond delay="0"/>
+                                  </p:stCondLst>
+                                  <p:childTnLst>
+                                    <p:set>
+                                      <p:cBhvr>
+                                        <p:cTn id="26" dur="1" fill="hold">
+                                          <p:stCondLst>
+                                            <p:cond delay="0"/>
+                                          </p:stCondLst>
+                                        </p:cTn>
+                                        <p:tgtEl>
+                                          <p:spTgt spid="3">
+                                            <p:txEl>
+                                              <p:pRg st="6" end="6"/>
+                                            </p:txEl>
+                                          </p:spTgt>
+                                        </p:tgtEl>
+                                        <p:attrNameLst>
+                                          <p:attrName>style.visibility</p:attrName>
+                                        </p:attrNameLst>
+                                      </p:cBhvr>
+                                      <p:to>
+                                        <p:strVal val="visible"/>
+                                      </p:to>
+                                    </p:set>
+                                    <p:animEffect transition="in" filter="fade">
+                                      <p:cBhvr>
+                                        <p:cTn id="27" dur="500"/>
+                                        <p:tgtEl>
+                                          <p:spTgt spid="3">
+                                            <p:txEl>
+                                              <p:pRg st="6" end="6"/>
+                                            </p:txEl>
+                                          </p:spTgt>
+                                        </p:tgtEl>
+                                      </p:cBhvr>
+                                    </p:animEffect>
+                                  </p:childTnLst>
+                                </p:cTn>
+                              </p:par>
+                              <p:par>
+                                <p:cTn id="28" presetID="10" presetClass="entr" presetSubtype="0" fill="hold" nodeType="withEffect">
+                                  <p:stCondLst>
+                                    <p:cond delay="0"/>
+                                  </p:stCondLst>
+                                  <p:childTnLst>
+                                    <p:set>
+                                      <p:cBhvr>
+                                        <p:cTn id="29" dur="1" fill="hold">
+                                          <p:stCondLst>
+                                            <p:cond delay="0"/>
+                                          </p:stCondLst>
+                                        </p:cTn>
+                                        <p:tgtEl>
+                                          <p:spTgt spid="3">
+                                            <p:txEl>
+                                              <p:pRg st="7" end="7"/>
+                                            </p:txEl>
+                                          </p:spTgt>
+                                        </p:tgtEl>
+                                        <p:attrNameLst>
+                                          <p:attrName>style.visibility</p:attrName>
+                                        </p:attrNameLst>
+                                      </p:cBhvr>
+                                      <p:to>
+                                        <p:strVal val="visible"/>
+                                      </p:to>
+                                    </p:set>
+                                    <p:animEffect transition="in" filter="fade">
+                                      <p:cBhvr>
+                                        <p:cTn id="30" dur="500"/>
+                                        <p:tgtEl>
+                                          <p:spTgt spid="3">
+                                            <p:txEl>
+                                              <p:pRg st="7" end="7"/>
+                                            </p:txEl>
+                                          </p:spTgt>
+                                        </p:tgtEl>
+                                      </p:cBhvr>
+                                    </p:animEffect>
+                                  </p:childTnLst>
+                                </p:cTn>
+                              </p:par>
+                            </p:childTnLst>
+                          </p:cTn>
+                        </p:par>
+                      </p:childTnLst>
+                    </p:cTn>
+                  </p:par>
+                  <p:par>
+                    <p:cTn id="31" fill="hold">
+                      <p:stCondLst>
+                        <p:cond delay="indefinite"/>
+                      </p:stCondLst>
+                      <p:childTnLst>
+                        <p:par>
+                          <p:cTn id="32" fill="hold">
+                            <p:stCondLst>
+                              <p:cond delay="0"/>
+                            </p:stCondLst>
+                            <p:childTnLst>
+                              <p:par>
+                                <p:cTn id="33" presetID="10" presetClass="entr" presetSubtype="0" fill="hold" grpId="0" nodeType="clickEffect">
+                                  <p:stCondLst>
+                                    <p:cond delay="0"/>
+                                  </p:stCondLst>
+                                  <p:childTnLst>
+                                    <p:set>
+                                      <p:cBhvr>
+                                        <p:cTn id="34" dur="1" fill="hold">
                                           <p:stCondLst>
                                             <p:cond delay="0"/>
                                           </p:stCondLst>
@@ -9460,7 +9768,7 @@
                                     </p:set>
                                     <p:animEffect transition="in" filter="fade">
                                       <p:cBhvr>
-                                        <p:cTn id="7" dur="500"/>
+                                        <p:cTn id="35" dur="500"/>
                                         <p:tgtEl>
                                           <p:spTgt spid="7"/>
                                         </p:tgtEl>
@@ -9811,7 +10119,7 @@
                   <a:srgbClr val="000000"/>
                 </a:solidFill>
               </a:rPr>
-              <a:t>2021-9-20</a:t>
+              <a:t>2021/9/24</a:t>
             </a:fld>
             <a:endParaRPr lang="en-US" altLang="zh-CN" dirty="0">
               <a:solidFill>
@@ -10189,7 +10497,7 @@
                   <a:srgbClr val="000000"/>
                 </a:solidFill>
               </a:rPr>
-              <a:t>2021-9-20</a:t>
+              <a:t>2021/9/24</a:t>
             </a:fld>
             <a:endParaRPr lang="en-US" altLang="zh-CN" dirty="0">
               <a:solidFill>
@@ -10369,7 +10677,7 @@
                   <a:srgbClr val="000000"/>
                 </a:solidFill>
               </a:rPr>
-              <a:t>2021-9-20</a:t>
+              <a:t>2021/9/24</a:t>
             </a:fld>
             <a:endParaRPr lang="en-US" altLang="zh-CN" dirty="0">
               <a:solidFill>
@@ -11274,7 +11582,7 @@
                   <a:srgbClr val="000000"/>
                 </a:solidFill>
               </a:rPr>
-              <a:t>2021-9-20</a:t>
+              <a:t>2021/9/24</a:t>
             </a:fld>
             <a:endParaRPr lang="en-US" altLang="zh-CN" dirty="0">
               <a:solidFill>
@@ -11772,7 +12080,7 @@
                   <a:srgbClr val="000000"/>
                 </a:solidFill>
               </a:rPr>
-              <a:t>2021-9-20</a:t>
+              <a:t>2021/9/24</a:t>
             </a:fld>
             <a:endParaRPr lang="en-US" altLang="zh-CN" dirty="0">
               <a:solidFill>
@@ -12194,7 +12502,7 @@
                   <a:srgbClr val="000000"/>
                 </a:solidFill>
               </a:rPr>
-              <a:t>2021-9-20</a:t>
+              <a:t>2021/9/24</a:t>
             </a:fld>
             <a:endParaRPr lang="en-US" altLang="zh-CN" dirty="0">
               <a:solidFill>
@@ -12757,12 +13065,16 @@
               <a:buChar char="Ø"/>
             </a:pPr>
             <a:r>
-              <a:rPr lang="zh-CN" altLang="en-US" sz="2000" dirty="0"/>
-              <a:t>如何</a:t>
+              <a:rPr lang="zh-CN" altLang="en-US" sz="2000"/>
+              <a:t>如果</a:t>
+            </a:r>
+            <a:r>
+              <a:rPr lang="en-US" altLang="zh-CN" sz="2000"/>
+              <a:t>a</a:t>
             </a:r>
             <a:r>
               <a:rPr lang="en-US" altLang="zh-CN" sz="2000" dirty="0"/>
-              <a:t>a, b</a:t>
+              <a:t>, b</a:t>
             </a:r>
             <a:r>
               <a:rPr lang="zh-CN" altLang="en-US" sz="2000" dirty="0"/>
@@ -13007,7 +13319,7 @@
                   <a:srgbClr val="000000"/>
                 </a:solidFill>
               </a:rPr>
-              <a:t>2021-9-20</a:t>
+              <a:t>2021/9/24</a:t>
             </a:fld>
             <a:endParaRPr lang="en-US" altLang="zh-CN" dirty="0">
               <a:solidFill>
@@ -13289,7 +13601,7 @@
                   <a:srgbClr val="000000"/>
                 </a:solidFill>
               </a:rPr>
-              <a:t>2021-9-20</a:t>
+              <a:t>2021/9/24</a:t>
             </a:fld>
             <a:endParaRPr lang="en-US" altLang="zh-CN" dirty="0">
               <a:solidFill>
@@ -17145,7 +17457,7 @@
                   <a:srgbClr val="000000"/>
                 </a:solidFill>
               </a:rPr>
-              <a:t>2021-9-20</a:t>
+              <a:t>2021/9/24</a:t>
             </a:fld>
             <a:endParaRPr lang="en-US" altLang="zh-CN" dirty="0">
               <a:solidFill>
@@ -17165,6 +17477,484 @@
   <p:clrMapOvr>
     <a:masterClrMapping/>
   </p:clrMapOvr>
+  <p:timing>
+    <p:tnLst>
+      <p:par>
+        <p:cTn id="1" dur="indefinite" restart="never" nodeType="tmRoot">
+          <p:childTnLst>
+            <p:seq concurrent="1" nextAc="seek">
+              <p:cTn id="2" dur="indefinite" nodeType="mainSeq">
+                <p:childTnLst>
+                  <p:par>
+                    <p:cTn id="3" fill="hold">
+                      <p:stCondLst>
+                        <p:cond delay="indefinite"/>
+                      </p:stCondLst>
+                      <p:childTnLst>
+                        <p:par>
+                          <p:cTn id="4" fill="hold">
+                            <p:stCondLst>
+                              <p:cond delay="0"/>
+                            </p:stCondLst>
+                            <p:childTnLst>
+                              <p:par>
+                                <p:cTn id="5" presetID="10" presetClass="entr" presetSubtype="0" fill="hold" nodeType="clickEffect">
+                                  <p:stCondLst>
+                                    <p:cond delay="0"/>
+                                  </p:stCondLst>
+                                  <p:childTnLst>
+                                    <p:set>
+                                      <p:cBhvr>
+                                        <p:cTn id="6" dur="1" fill="hold">
+                                          <p:stCondLst>
+                                            <p:cond delay="0"/>
+                                          </p:stCondLst>
+                                        </p:cTn>
+                                        <p:tgtEl>
+                                          <p:spTgt spid="3">
+                                            <p:txEl>
+                                              <p:pRg st="1" end="1"/>
+                                            </p:txEl>
+                                          </p:spTgt>
+                                        </p:tgtEl>
+                                        <p:attrNameLst>
+                                          <p:attrName>style.visibility</p:attrName>
+                                        </p:attrNameLst>
+                                      </p:cBhvr>
+                                      <p:to>
+                                        <p:strVal val="visible"/>
+                                      </p:to>
+                                    </p:set>
+                                    <p:animEffect transition="in" filter="fade">
+                                      <p:cBhvr>
+                                        <p:cTn id="7" dur="500"/>
+                                        <p:tgtEl>
+                                          <p:spTgt spid="3">
+                                            <p:txEl>
+                                              <p:pRg st="1" end="1"/>
+                                            </p:txEl>
+                                          </p:spTgt>
+                                        </p:tgtEl>
+                                      </p:cBhvr>
+                                    </p:animEffect>
+                                  </p:childTnLst>
+                                </p:cTn>
+                              </p:par>
+                              <p:par>
+                                <p:cTn id="8" presetID="10" presetClass="entr" presetSubtype="0" fill="hold" nodeType="withEffect">
+                                  <p:stCondLst>
+                                    <p:cond delay="0"/>
+                                  </p:stCondLst>
+                                  <p:childTnLst>
+                                    <p:set>
+                                      <p:cBhvr>
+                                        <p:cTn id="9" dur="1" fill="hold">
+                                          <p:stCondLst>
+                                            <p:cond delay="0"/>
+                                          </p:stCondLst>
+                                        </p:cTn>
+                                        <p:tgtEl>
+                                          <p:spTgt spid="3">
+                                            <p:txEl>
+                                              <p:pRg st="2" end="2"/>
+                                            </p:txEl>
+                                          </p:spTgt>
+                                        </p:tgtEl>
+                                        <p:attrNameLst>
+                                          <p:attrName>style.visibility</p:attrName>
+                                        </p:attrNameLst>
+                                      </p:cBhvr>
+                                      <p:to>
+                                        <p:strVal val="visible"/>
+                                      </p:to>
+                                    </p:set>
+                                    <p:animEffect transition="in" filter="fade">
+                                      <p:cBhvr>
+                                        <p:cTn id="10" dur="500"/>
+                                        <p:tgtEl>
+                                          <p:spTgt spid="3">
+                                            <p:txEl>
+                                              <p:pRg st="2" end="2"/>
+                                            </p:txEl>
+                                          </p:spTgt>
+                                        </p:tgtEl>
+                                      </p:cBhvr>
+                                    </p:animEffect>
+                                  </p:childTnLst>
+                                </p:cTn>
+                              </p:par>
+                              <p:par>
+                                <p:cTn id="11" presetID="10" presetClass="entr" presetSubtype="0" fill="hold" nodeType="withEffect">
+                                  <p:stCondLst>
+                                    <p:cond delay="0"/>
+                                  </p:stCondLst>
+                                  <p:childTnLst>
+                                    <p:set>
+                                      <p:cBhvr>
+                                        <p:cTn id="12" dur="1" fill="hold">
+                                          <p:stCondLst>
+                                            <p:cond delay="0"/>
+                                          </p:stCondLst>
+                                        </p:cTn>
+                                        <p:tgtEl>
+                                          <p:spTgt spid="3">
+                                            <p:txEl>
+                                              <p:pRg st="3" end="3"/>
+                                            </p:txEl>
+                                          </p:spTgt>
+                                        </p:tgtEl>
+                                        <p:attrNameLst>
+                                          <p:attrName>style.visibility</p:attrName>
+                                        </p:attrNameLst>
+                                      </p:cBhvr>
+                                      <p:to>
+                                        <p:strVal val="visible"/>
+                                      </p:to>
+                                    </p:set>
+                                    <p:animEffect transition="in" filter="fade">
+                                      <p:cBhvr>
+                                        <p:cTn id="13" dur="500"/>
+                                        <p:tgtEl>
+                                          <p:spTgt spid="3">
+                                            <p:txEl>
+                                              <p:pRg st="3" end="3"/>
+                                            </p:txEl>
+                                          </p:spTgt>
+                                        </p:tgtEl>
+                                      </p:cBhvr>
+                                    </p:animEffect>
+                                  </p:childTnLst>
+                                </p:cTn>
+                              </p:par>
+                              <p:par>
+                                <p:cTn id="14" presetID="10" presetClass="entr" presetSubtype="0" fill="hold" nodeType="withEffect">
+                                  <p:stCondLst>
+                                    <p:cond delay="0"/>
+                                  </p:stCondLst>
+                                  <p:childTnLst>
+                                    <p:set>
+                                      <p:cBhvr>
+                                        <p:cTn id="15" dur="1" fill="hold">
+                                          <p:stCondLst>
+                                            <p:cond delay="0"/>
+                                          </p:stCondLst>
+                                        </p:cTn>
+                                        <p:tgtEl>
+                                          <p:spTgt spid="3">
+                                            <p:txEl>
+                                              <p:pRg st="4" end="4"/>
+                                            </p:txEl>
+                                          </p:spTgt>
+                                        </p:tgtEl>
+                                        <p:attrNameLst>
+                                          <p:attrName>style.visibility</p:attrName>
+                                        </p:attrNameLst>
+                                      </p:cBhvr>
+                                      <p:to>
+                                        <p:strVal val="visible"/>
+                                      </p:to>
+                                    </p:set>
+                                    <p:animEffect transition="in" filter="fade">
+                                      <p:cBhvr>
+                                        <p:cTn id="16" dur="500"/>
+                                        <p:tgtEl>
+                                          <p:spTgt spid="3">
+                                            <p:txEl>
+                                              <p:pRg st="4" end="4"/>
+                                            </p:txEl>
+                                          </p:spTgt>
+                                        </p:tgtEl>
+                                      </p:cBhvr>
+                                    </p:animEffect>
+                                  </p:childTnLst>
+                                </p:cTn>
+                              </p:par>
+                              <p:par>
+                                <p:cTn id="17" presetID="10" presetClass="entr" presetSubtype="0" fill="hold" nodeType="withEffect">
+                                  <p:stCondLst>
+                                    <p:cond delay="0"/>
+                                  </p:stCondLst>
+                                  <p:childTnLst>
+                                    <p:set>
+                                      <p:cBhvr>
+                                        <p:cTn id="18" dur="1" fill="hold">
+                                          <p:stCondLst>
+                                            <p:cond delay="0"/>
+                                          </p:stCondLst>
+                                        </p:cTn>
+                                        <p:tgtEl>
+                                          <p:spTgt spid="3">
+                                            <p:txEl>
+                                              <p:pRg st="5" end="5"/>
+                                            </p:txEl>
+                                          </p:spTgt>
+                                        </p:tgtEl>
+                                        <p:attrNameLst>
+                                          <p:attrName>style.visibility</p:attrName>
+                                        </p:attrNameLst>
+                                      </p:cBhvr>
+                                      <p:to>
+                                        <p:strVal val="visible"/>
+                                      </p:to>
+                                    </p:set>
+                                    <p:animEffect transition="in" filter="fade">
+                                      <p:cBhvr>
+                                        <p:cTn id="19" dur="500"/>
+                                        <p:tgtEl>
+                                          <p:spTgt spid="3">
+                                            <p:txEl>
+                                              <p:pRg st="5" end="5"/>
+                                            </p:txEl>
+                                          </p:spTgt>
+                                        </p:tgtEl>
+                                      </p:cBhvr>
+                                    </p:animEffect>
+                                  </p:childTnLst>
+                                </p:cTn>
+                              </p:par>
+                              <p:par>
+                                <p:cTn id="20" presetID="10" presetClass="entr" presetSubtype="0" fill="hold" nodeType="withEffect">
+                                  <p:stCondLst>
+                                    <p:cond delay="0"/>
+                                  </p:stCondLst>
+                                  <p:childTnLst>
+                                    <p:set>
+                                      <p:cBhvr>
+                                        <p:cTn id="21" dur="1" fill="hold">
+                                          <p:stCondLst>
+                                            <p:cond delay="0"/>
+                                          </p:stCondLst>
+                                        </p:cTn>
+                                        <p:tgtEl>
+                                          <p:spTgt spid="3">
+                                            <p:txEl>
+                                              <p:pRg st="6" end="6"/>
+                                            </p:txEl>
+                                          </p:spTgt>
+                                        </p:tgtEl>
+                                        <p:attrNameLst>
+                                          <p:attrName>style.visibility</p:attrName>
+                                        </p:attrNameLst>
+                                      </p:cBhvr>
+                                      <p:to>
+                                        <p:strVal val="visible"/>
+                                      </p:to>
+                                    </p:set>
+                                    <p:animEffect transition="in" filter="fade">
+                                      <p:cBhvr>
+                                        <p:cTn id="22" dur="500"/>
+                                        <p:tgtEl>
+                                          <p:spTgt spid="3">
+                                            <p:txEl>
+                                              <p:pRg st="6" end="6"/>
+                                            </p:txEl>
+                                          </p:spTgt>
+                                        </p:tgtEl>
+                                      </p:cBhvr>
+                                    </p:animEffect>
+                                  </p:childTnLst>
+                                </p:cTn>
+                              </p:par>
+                              <p:par>
+                                <p:cTn id="23" presetID="10" presetClass="entr" presetSubtype="0" fill="hold" nodeType="withEffect">
+                                  <p:stCondLst>
+                                    <p:cond delay="0"/>
+                                  </p:stCondLst>
+                                  <p:childTnLst>
+                                    <p:set>
+                                      <p:cBhvr>
+                                        <p:cTn id="24" dur="1" fill="hold">
+                                          <p:stCondLst>
+                                            <p:cond delay="0"/>
+                                          </p:stCondLst>
+                                        </p:cTn>
+                                        <p:tgtEl>
+                                          <p:spTgt spid="3">
+                                            <p:txEl>
+                                              <p:pRg st="7" end="7"/>
+                                            </p:txEl>
+                                          </p:spTgt>
+                                        </p:tgtEl>
+                                        <p:attrNameLst>
+                                          <p:attrName>style.visibility</p:attrName>
+                                        </p:attrNameLst>
+                                      </p:cBhvr>
+                                      <p:to>
+                                        <p:strVal val="visible"/>
+                                      </p:to>
+                                    </p:set>
+                                    <p:animEffect transition="in" filter="fade">
+                                      <p:cBhvr>
+                                        <p:cTn id="25" dur="500"/>
+                                        <p:tgtEl>
+                                          <p:spTgt spid="3">
+                                            <p:txEl>
+                                              <p:pRg st="7" end="7"/>
+                                            </p:txEl>
+                                          </p:spTgt>
+                                        </p:tgtEl>
+                                      </p:cBhvr>
+                                    </p:animEffect>
+                                  </p:childTnLst>
+                                </p:cTn>
+                              </p:par>
+                              <p:par>
+                                <p:cTn id="26" presetID="10" presetClass="entr" presetSubtype="0" fill="hold" nodeType="withEffect">
+                                  <p:stCondLst>
+                                    <p:cond delay="0"/>
+                                  </p:stCondLst>
+                                  <p:childTnLst>
+                                    <p:set>
+                                      <p:cBhvr>
+                                        <p:cTn id="27" dur="1" fill="hold">
+                                          <p:stCondLst>
+                                            <p:cond delay="0"/>
+                                          </p:stCondLst>
+                                        </p:cTn>
+                                        <p:tgtEl>
+                                          <p:spTgt spid="3">
+                                            <p:txEl>
+                                              <p:pRg st="8" end="8"/>
+                                            </p:txEl>
+                                          </p:spTgt>
+                                        </p:tgtEl>
+                                        <p:attrNameLst>
+                                          <p:attrName>style.visibility</p:attrName>
+                                        </p:attrNameLst>
+                                      </p:cBhvr>
+                                      <p:to>
+                                        <p:strVal val="visible"/>
+                                      </p:to>
+                                    </p:set>
+                                    <p:animEffect transition="in" filter="fade">
+                                      <p:cBhvr>
+                                        <p:cTn id="28" dur="500"/>
+                                        <p:tgtEl>
+                                          <p:spTgt spid="3">
+                                            <p:txEl>
+                                              <p:pRg st="8" end="8"/>
+                                            </p:txEl>
+                                          </p:spTgt>
+                                        </p:tgtEl>
+                                      </p:cBhvr>
+                                    </p:animEffect>
+                                  </p:childTnLst>
+                                </p:cTn>
+                              </p:par>
+                              <p:par>
+                                <p:cTn id="29" presetID="10" presetClass="entr" presetSubtype="0" fill="hold" nodeType="withEffect">
+                                  <p:stCondLst>
+                                    <p:cond delay="0"/>
+                                  </p:stCondLst>
+                                  <p:childTnLst>
+                                    <p:set>
+                                      <p:cBhvr>
+                                        <p:cTn id="30" dur="1" fill="hold">
+                                          <p:stCondLst>
+                                            <p:cond delay="0"/>
+                                          </p:stCondLst>
+                                        </p:cTn>
+                                        <p:tgtEl>
+                                          <p:spTgt spid="3">
+                                            <p:txEl>
+                                              <p:pRg st="9" end="9"/>
+                                            </p:txEl>
+                                          </p:spTgt>
+                                        </p:tgtEl>
+                                        <p:attrNameLst>
+                                          <p:attrName>style.visibility</p:attrName>
+                                        </p:attrNameLst>
+                                      </p:cBhvr>
+                                      <p:to>
+                                        <p:strVal val="visible"/>
+                                      </p:to>
+                                    </p:set>
+                                    <p:animEffect transition="in" filter="fade">
+                                      <p:cBhvr>
+                                        <p:cTn id="31" dur="500"/>
+                                        <p:tgtEl>
+                                          <p:spTgt spid="3">
+                                            <p:txEl>
+                                              <p:pRg st="9" end="9"/>
+                                            </p:txEl>
+                                          </p:spTgt>
+                                        </p:tgtEl>
+                                      </p:cBhvr>
+                                    </p:animEffect>
+                                  </p:childTnLst>
+                                </p:cTn>
+                              </p:par>
+                              <p:par>
+                                <p:cTn id="32" presetID="10" presetClass="entr" presetSubtype="0" fill="hold" nodeType="withEffect">
+                                  <p:stCondLst>
+                                    <p:cond delay="0"/>
+                                  </p:stCondLst>
+                                  <p:childTnLst>
+                                    <p:set>
+                                      <p:cBhvr>
+                                        <p:cTn id="33" dur="1" fill="hold">
+                                          <p:stCondLst>
+                                            <p:cond delay="0"/>
+                                          </p:stCondLst>
+                                        </p:cTn>
+                                        <p:tgtEl>
+                                          <p:spTgt spid="3">
+                                            <p:txEl>
+                                              <p:pRg st="10" end="10"/>
+                                            </p:txEl>
+                                          </p:spTgt>
+                                        </p:tgtEl>
+                                        <p:attrNameLst>
+                                          <p:attrName>style.visibility</p:attrName>
+                                        </p:attrNameLst>
+                                      </p:cBhvr>
+                                      <p:to>
+                                        <p:strVal val="visible"/>
+                                      </p:to>
+                                    </p:set>
+                                    <p:animEffect transition="in" filter="fade">
+                                      <p:cBhvr>
+                                        <p:cTn id="34" dur="500"/>
+                                        <p:tgtEl>
+                                          <p:spTgt spid="3">
+                                            <p:txEl>
+                                              <p:pRg st="10" end="10"/>
+                                            </p:txEl>
+                                          </p:spTgt>
+                                        </p:tgtEl>
+                                      </p:cBhvr>
+                                    </p:animEffect>
+                                  </p:childTnLst>
+                                </p:cTn>
+                              </p:par>
+                            </p:childTnLst>
+                          </p:cTn>
+                        </p:par>
+                      </p:childTnLst>
+                    </p:cTn>
+                  </p:par>
+                </p:childTnLst>
+              </p:cTn>
+              <p:prevCondLst>
+                <p:cond evt="onPrev" delay="0">
+                  <p:tgtEl>
+                    <p:sldTgt/>
+                  </p:tgtEl>
+                </p:cond>
+              </p:prevCondLst>
+              <p:nextCondLst>
+                <p:cond evt="onNext" delay="0">
+                  <p:tgtEl>
+                    <p:sldTgt/>
+                  </p:tgtEl>
+                </p:cond>
+              </p:nextCondLst>
+            </p:seq>
+          </p:childTnLst>
+        </p:cTn>
+      </p:par>
+    </p:tnLst>
+  </p:timing>
 </p:sld>
 </file>
 
@@ -17508,7 +18298,7 @@
                   <a:srgbClr val="000000"/>
                 </a:solidFill>
               </a:rPr>
-              <a:t>2021-9-20</a:t>
+              <a:t>2021/9/24</a:t>
             </a:fld>
             <a:endParaRPr lang="en-US" altLang="zh-CN" dirty="0">
               <a:solidFill>
@@ -17821,7 +18611,7 @@
                   <a:srgbClr val="000000"/>
                 </a:solidFill>
               </a:rPr>
-              <a:t>2021-9-20</a:t>
+              <a:t>2021/9/24</a:t>
             </a:fld>
             <a:endParaRPr lang="en-US" altLang="zh-CN" dirty="0">
               <a:solidFill>
@@ -18065,7 +18855,7 @@
                   <a:srgbClr val="000000"/>
                 </a:solidFill>
               </a:rPr>
-              <a:t>2021-9-20</a:t>
+              <a:t>2021/9/24</a:t>
             </a:fld>
             <a:endParaRPr lang="en-US" altLang="zh-CN" dirty="0">
               <a:solidFill>
@@ -18290,7 +19080,7 @@
                   <a:srgbClr val="000000"/>
                 </a:solidFill>
               </a:rPr>
-              <a:t>2021-9-20</a:t>
+              <a:t>2021/9/24</a:t>
             </a:fld>
             <a:endParaRPr lang="en-US" altLang="zh-CN" dirty="0">
               <a:solidFill>
@@ -18543,7 +19333,7 @@
                   <a:srgbClr val="000000"/>
                 </a:solidFill>
               </a:rPr>
-              <a:t>2021-9-20</a:t>
+              <a:t>2021/9/24</a:t>
             </a:fld>
             <a:endParaRPr lang="en-US" altLang="zh-CN" dirty="0">
               <a:solidFill>
@@ -18796,7 +19586,7 @@
                   <a:srgbClr val="000000"/>
                 </a:solidFill>
               </a:rPr>
-              <a:t>2021-9-20</a:t>
+              <a:t>2021/9/24</a:t>
             </a:fld>
             <a:endParaRPr lang="en-US" altLang="zh-CN" dirty="0">
               <a:solidFill>
@@ -19267,7 +20057,7 @@
                   <a:srgbClr val="000000"/>
                 </a:solidFill>
               </a:rPr>
-              <a:t>2021-9-20</a:t>
+              <a:t>2021/9/24</a:t>
             </a:fld>
             <a:endParaRPr lang="en-US" altLang="zh-CN" dirty="0">
               <a:solidFill>
@@ -20126,7 +20916,7 @@
                   <a:srgbClr val="000000"/>
                 </a:solidFill>
               </a:rPr>
-              <a:t>2021-9-20</a:t>
+              <a:t>2021/9/24</a:t>
             </a:fld>
             <a:endParaRPr lang="en-US" altLang="zh-CN" dirty="0">
               <a:solidFill>
@@ -20364,7 +21154,7 @@
                   <a:srgbClr val="000000"/>
                 </a:solidFill>
               </a:rPr>
-              <a:t>2021-9-20</a:t>
+              <a:t>2021/9/24</a:t>
             </a:fld>
             <a:endParaRPr lang="en-US" altLang="zh-CN" dirty="0">
               <a:solidFill>
@@ -20986,7 +21776,7 @@
                   <a:srgbClr val="000000"/>
                 </a:solidFill>
               </a:rPr>
-              <a:t>2021-9-20</a:t>
+              <a:t>2021/9/24</a:t>
             </a:fld>
             <a:endParaRPr lang="en-US" altLang="zh-CN" dirty="0">
               <a:solidFill>
@@ -21314,7 +22104,7 @@
                   <a:srgbClr val="000000"/>
                 </a:solidFill>
               </a:rPr>
-              <a:t>2021-9-20</a:t>
+              <a:t>2021/9/24</a:t>
             </a:fld>
             <a:endParaRPr lang="en-US" altLang="zh-CN" dirty="0">
               <a:solidFill>
@@ -21546,7 +22336,7 @@
                   <a:srgbClr val="000000"/>
                 </a:solidFill>
               </a:rPr>
-              <a:t>2021-9-20</a:t>
+              <a:t>2021/9/24</a:t>
             </a:fld>
             <a:endParaRPr lang="en-US" altLang="zh-CN" dirty="0">
               <a:solidFill>
@@ -21854,7 +22644,7 @@
                   <a:srgbClr val="000000"/>
                 </a:solidFill>
               </a:rPr>
-              <a:t>2021-9-20</a:t>
+              <a:t>2021/9/24</a:t>
             </a:fld>
             <a:endParaRPr lang="en-US" altLang="zh-CN" dirty="0">
               <a:solidFill>
@@ -22742,7 +23532,7 @@
                   <a:srgbClr val="000000"/>
                 </a:solidFill>
               </a:rPr>
-              <a:t>2021-9-20</a:t>
+              <a:t>2021/9/24</a:t>
             </a:fld>
             <a:endParaRPr lang="en-US" altLang="zh-CN" dirty="0">
               <a:solidFill>
@@ -23102,7 +23892,7 @@
                   <a:srgbClr val="000000"/>
                 </a:solidFill>
               </a:rPr>
-              <a:t>2021-9-20</a:t>
+              <a:t>2021/9/24</a:t>
             </a:fld>
             <a:endParaRPr lang="en-US" altLang="zh-CN" dirty="0">
               <a:solidFill>
@@ -23559,7 +24349,7 @@
                   <a:srgbClr val="000000"/>
                 </a:solidFill>
               </a:rPr>
-              <a:t>2021-9-20</a:t>
+              <a:t>2021/9/24</a:t>
             </a:fld>
             <a:endParaRPr lang="en-US" altLang="zh-CN" dirty="0">
               <a:solidFill>
@@ -23855,7 +24645,7 @@
                   <a:srgbClr val="000000"/>
                 </a:solidFill>
               </a:rPr>
-              <a:t>2021-9-20</a:t>
+              <a:t>2021/9/24</a:t>
             </a:fld>
             <a:endParaRPr lang="en-US" altLang="zh-CN" dirty="0">
               <a:solidFill>
@@ -24186,7 +24976,7 @@
                   <a:srgbClr val="000000"/>
                 </a:solidFill>
               </a:rPr>
-              <a:t>2021-9-20</a:t>
+              <a:t>2021/9/24</a:t>
             </a:fld>
             <a:endParaRPr lang="en-US" altLang="zh-CN" dirty="0">
               <a:solidFill>
@@ -24475,7 +25265,7 @@
                   <a:srgbClr val="000000"/>
                 </a:solidFill>
               </a:rPr>
-              <a:t>2021-9-20</a:t>
+              <a:t>2021/9/24</a:t>
             </a:fld>
             <a:endParaRPr lang="en-US" altLang="zh-CN" dirty="0">
               <a:solidFill>
@@ -25097,7 +25887,7 @@
                   <a:srgbClr val="000000"/>
                 </a:solidFill>
               </a:rPr>
-              <a:t>2021-9-20</a:t>
+              <a:t>2021/9/24</a:t>
             </a:fld>
             <a:endParaRPr lang="en-US" altLang="zh-CN" dirty="0">
               <a:solidFill>
@@ -25741,7 +26531,7 @@
                   <a:srgbClr val="000000"/>
                 </a:solidFill>
               </a:rPr>
-              <a:t>2021-9-20</a:t>
+              <a:t>2021/9/24</a:t>
             </a:fld>
             <a:endParaRPr lang="en-US" altLang="zh-CN" dirty="0">
               <a:solidFill>
@@ -26582,7 +27372,7 @@
                   <a:srgbClr val="000000"/>
                 </a:solidFill>
               </a:rPr>
-              <a:t>2021-9-20</a:t>
+              <a:t>2021/9/24</a:t>
             </a:fld>
             <a:endParaRPr lang="en-US" altLang="zh-CN" dirty="0">
               <a:solidFill>
@@ -27429,7 +28219,7 @@
                   <a:srgbClr val="000000"/>
                 </a:solidFill>
               </a:rPr>
-              <a:t>2021-9-20</a:t>
+              <a:t>2021/9/24</a:t>
             </a:fld>
             <a:endParaRPr lang="en-US" altLang="zh-CN" dirty="0">
               <a:solidFill>
@@ -27638,7 +28428,7 @@
                   <a:srgbClr val="000000"/>
                 </a:solidFill>
               </a:rPr>
-              <a:t>2021-9-20</a:t>
+              <a:t>2021/9/24</a:t>
             </a:fld>
             <a:endParaRPr lang="en-US" altLang="zh-CN" dirty="0">
               <a:solidFill>
@@ -27814,7 +28604,7 @@
                   <a:srgbClr val="000000"/>
                 </a:solidFill>
               </a:rPr>
-              <a:t>2021-9-20</a:t>
+              <a:t>2021/9/24</a:t>
             </a:fld>
             <a:endParaRPr lang="en-US" altLang="zh-CN" dirty="0">
               <a:solidFill>
@@ -28356,7 +29146,7 @@
                   <a:srgbClr val="000000"/>
                 </a:solidFill>
               </a:rPr>
-              <a:t>2021-9-20</a:t>
+              <a:t>2021/9/24</a:t>
             </a:fld>
             <a:endParaRPr lang="en-US" altLang="zh-CN" dirty="0">
               <a:solidFill>
@@ -29491,7 +30281,7 @@
                   <a:srgbClr val="000000"/>
                 </a:solidFill>
               </a:rPr>
-              <a:t>2021-9-20</a:t>
+              <a:t>2021/9/24</a:t>
             </a:fld>
             <a:endParaRPr lang="en-US" altLang="zh-CN" dirty="0">
               <a:solidFill>
@@ -30185,7 +30975,7 @@
                   <a:srgbClr val="000000"/>
                 </a:solidFill>
               </a:rPr>
-              <a:t>2021-9-20</a:t>
+              <a:t>2021/9/24</a:t>
             </a:fld>
             <a:endParaRPr lang="en-US" altLang="zh-CN" dirty="0">
               <a:solidFill>
@@ -30714,7 +31504,7 @@
                   <a:srgbClr val="000000"/>
                 </a:solidFill>
               </a:rPr>
-              <a:t>2021-9-20</a:t>
+              <a:t>2021/9/24</a:t>
             </a:fld>
             <a:endParaRPr lang="en-US" altLang="zh-CN" dirty="0">
               <a:solidFill>
@@ -31138,7 +31928,7 @@
                   <a:srgbClr val="000000"/>
                 </a:solidFill>
               </a:rPr>
-              <a:t>2021-9-20</a:t>
+              <a:t>2021/9/24</a:t>
             </a:fld>
             <a:endParaRPr lang="en-US" altLang="zh-CN" dirty="0">
               <a:solidFill>
